--- a/Documentation/运用开源思想驱动物联网发展.pptx
+++ b/Documentation/运用开源思想驱动物联网发展.pptx
@@ -3478,7 +3478,7 @@
           <a:noFill/>
           <a:extLst>
             <a:ext uri="{909E8E84-426E-40dd-AFC4-6F175D3DCCD1}">
-              <a14:hiddenFill xmlns="" xmlns:a14="http://schemas.microsoft.com/office/drawing/2010/main">
+              <a14:hiddenFill xmlns:a14="http://schemas.microsoft.com/office/drawing/2010/main" xmlns="">
                 <a:solidFill>
                   <a:srgbClr val="FFFFFF"/>
                 </a:solidFill>
@@ -3538,7 +3538,7 @@
             </a:ln>
             <a:extLst>
               <a:ext uri="{91240B29-F687-4f45-9708-019B960494DF}">
-                <a14:hiddenLine xmlns="" xmlns:a14="http://schemas.microsoft.com/office/drawing/2010/main" w="9525">
+                <a14:hiddenLine xmlns:a14="http://schemas.microsoft.com/office/drawing/2010/main" xmlns="" w="9525">
                   <a:solidFill>
                     <a:srgbClr val="000000"/>
                   </a:solidFill>
@@ -3628,7 +3628,7 @@
             </a:ln>
             <a:extLst>
               <a:ext uri="{91240B29-F687-4f45-9708-019B960494DF}">
-                <a14:hiddenLine xmlns="" xmlns:a14="http://schemas.microsoft.com/office/drawing/2010/main" w="9525">
+                <a14:hiddenLine xmlns:a14="http://schemas.microsoft.com/office/drawing/2010/main" xmlns="" w="9525">
                   <a:solidFill>
                     <a:srgbClr val="000000"/>
                   </a:solidFill>
@@ -3718,7 +3718,7 @@
             </a:ln>
             <a:extLst>
               <a:ext uri="{91240B29-F687-4f45-9708-019B960494DF}">
-                <a14:hiddenLine xmlns="" xmlns:a14="http://schemas.microsoft.com/office/drawing/2010/main" w="9525">
+                <a14:hiddenLine xmlns:a14="http://schemas.microsoft.com/office/drawing/2010/main" xmlns="" w="9525">
                   <a:solidFill>
                     <a:srgbClr val="000000"/>
                   </a:solidFill>
@@ -3752,7 +3752,7 @@
             </a:ln>
             <a:extLst>
               <a:ext uri="{91240B29-F687-4f45-9708-019B960494DF}">
-                <a14:hiddenLine xmlns="" xmlns:a14="http://schemas.microsoft.com/office/drawing/2010/main" w="9525">
+                <a14:hiddenLine xmlns:a14="http://schemas.microsoft.com/office/drawing/2010/main" xmlns="" w="9525">
                   <a:solidFill>
                     <a:srgbClr val="000000"/>
                   </a:solidFill>
@@ -3842,7 +3842,7 @@
             </a:ln>
             <a:extLst>
               <a:ext uri="{91240B29-F687-4f45-9708-019B960494DF}">
-                <a14:hiddenLine xmlns="" xmlns:a14="http://schemas.microsoft.com/office/drawing/2010/main" w="9525">
+                <a14:hiddenLine xmlns:a14="http://schemas.microsoft.com/office/drawing/2010/main" xmlns="" w="9525">
                   <a:solidFill>
                     <a:srgbClr val="000000"/>
                   </a:solidFill>
@@ -3904,7 +3904,7 @@
             </a:ln>
             <a:extLst>
               <a:ext uri="{91240B29-F687-4f45-9708-019B960494DF}">
-                <a14:hiddenLine xmlns="" xmlns:a14="http://schemas.microsoft.com/office/drawing/2010/main" w="9525">
+                <a14:hiddenLine xmlns:a14="http://schemas.microsoft.com/office/drawing/2010/main" xmlns="" w="9525">
                   <a:solidFill>
                     <a:srgbClr val="000000"/>
                   </a:solidFill>
@@ -3966,7 +3966,7 @@
             </a:ln>
             <a:extLst>
               <a:ext uri="{91240B29-F687-4f45-9708-019B960494DF}">
-                <a14:hiddenLine xmlns="" xmlns:a14="http://schemas.microsoft.com/office/drawing/2010/main" w="9525">
+                <a14:hiddenLine xmlns:a14="http://schemas.microsoft.com/office/drawing/2010/main" xmlns="" w="9525">
                   <a:solidFill>
                     <a:srgbClr val="000000"/>
                   </a:solidFill>
@@ -4056,7 +4056,7 @@
             </a:ln>
             <a:extLst>
               <a:ext uri="{91240B29-F687-4f45-9708-019B960494DF}">
-                <a14:hiddenLine xmlns="" xmlns:a14="http://schemas.microsoft.com/office/drawing/2010/main" w="9525">
+                <a14:hiddenLine xmlns:a14="http://schemas.microsoft.com/office/drawing/2010/main" xmlns="" w="9525">
                   <a:solidFill>
                     <a:srgbClr val="000000"/>
                   </a:solidFill>
@@ -4118,7 +4118,7 @@
             </a:ln>
             <a:extLst>
               <a:ext uri="{91240B29-F687-4f45-9708-019B960494DF}">
-                <a14:hiddenLine xmlns="" xmlns:a14="http://schemas.microsoft.com/office/drawing/2010/main" w="9525">
+                <a14:hiddenLine xmlns:a14="http://schemas.microsoft.com/office/drawing/2010/main" xmlns="" w="9525">
                   <a:solidFill>
                     <a:srgbClr val="000000"/>
                   </a:solidFill>
@@ -4180,7 +4180,7 @@
             </a:ln>
             <a:extLst>
               <a:ext uri="{91240B29-F687-4f45-9708-019B960494DF}">
-                <a14:hiddenLine xmlns="" xmlns:a14="http://schemas.microsoft.com/office/drawing/2010/main" w="9525">
+                <a14:hiddenLine xmlns:a14="http://schemas.microsoft.com/office/drawing/2010/main" xmlns="" w="9525">
                   <a:solidFill>
                     <a:srgbClr val="000000"/>
                   </a:solidFill>
@@ -4270,7 +4270,7 @@
             </a:ln>
             <a:extLst>
               <a:ext uri="{91240B29-F687-4f45-9708-019B960494DF}">
-                <a14:hiddenLine xmlns="" xmlns:a14="http://schemas.microsoft.com/office/drawing/2010/main" w="9525">
+                <a14:hiddenLine xmlns:a14="http://schemas.microsoft.com/office/drawing/2010/main" xmlns="" w="9525">
                   <a:solidFill>
                     <a:srgbClr val="000000"/>
                   </a:solidFill>
@@ -4360,7 +4360,7 @@
             </a:ln>
             <a:extLst>
               <a:ext uri="{91240B29-F687-4f45-9708-019B960494DF}">
-                <a14:hiddenLine xmlns="" xmlns:a14="http://schemas.microsoft.com/office/drawing/2010/main" w="9525">
+                <a14:hiddenLine xmlns:a14="http://schemas.microsoft.com/office/drawing/2010/main" xmlns="" w="9525">
                   <a:solidFill>
                     <a:srgbClr val="000000"/>
                   </a:solidFill>
@@ -4422,7 +4422,7 @@
             </a:ln>
             <a:extLst>
               <a:ext uri="{91240B29-F687-4f45-9708-019B960494DF}">
-                <a14:hiddenLine xmlns="" xmlns:a14="http://schemas.microsoft.com/office/drawing/2010/main" w="9525">
+                <a14:hiddenLine xmlns:a14="http://schemas.microsoft.com/office/drawing/2010/main" xmlns="" w="9525">
                   <a:solidFill>
                     <a:srgbClr val="000000"/>
                   </a:solidFill>
@@ -4532,7 +4532,7 @@
             </a:ln>
             <a:extLst>
               <a:ext uri="{91240B29-F687-4f45-9708-019B960494DF}">
-                <a14:hiddenLine xmlns="" xmlns:a14="http://schemas.microsoft.com/office/drawing/2010/main" w="9525">
+                <a14:hiddenLine xmlns:a14="http://schemas.microsoft.com/office/drawing/2010/main" xmlns="" w="9525">
                   <a:solidFill>
                     <a:srgbClr val="000000"/>
                   </a:solidFill>
@@ -4594,7 +4594,7 @@
             </a:ln>
             <a:extLst>
               <a:ext uri="{91240B29-F687-4f45-9708-019B960494DF}">
-                <a14:hiddenLine xmlns="" xmlns:a14="http://schemas.microsoft.com/office/drawing/2010/main" w="9525">
+                <a14:hiddenLine xmlns:a14="http://schemas.microsoft.com/office/drawing/2010/main" xmlns="" w="9525">
                   <a:solidFill>
                     <a:srgbClr val="000000"/>
                   </a:solidFill>
@@ -4684,7 +4684,7 @@
             </a:ln>
             <a:extLst>
               <a:ext uri="{91240B29-F687-4f45-9708-019B960494DF}">
-                <a14:hiddenLine xmlns="" xmlns:a14="http://schemas.microsoft.com/office/drawing/2010/main" w="9525">
+                <a14:hiddenLine xmlns:a14="http://schemas.microsoft.com/office/drawing/2010/main" xmlns="" w="9525">
                   <a:solidFill>
                     <a:srgbClr val="000000"/>
                   </a:solidFill>
@@ -4774,7 +4774,7 @@
             </a:ln>
             <a:extLst>
               <a:ext uri="{91240B29-F687-4f45-9708-019B960494DF}">
-                <a14:hiddenLine xmlns="" xmlns:a14="http://schemas.microsoft.com/office/drawing/2010/main" w="9525">
+                <a14:hiddenLine xmlns:a14="http://schemas.microsoft.com/office/drawing/2010/main" xmlns="" w="9525">
                   <a:solidFill>
                     <a:srgbClr val="000000"/>
                   </a:solidFill>
@@ -4836,7 +4836,7 @@
             </a:ln>
             <a:extLst>
               <a:ext uri="{91240B29-F687-4f45-9708-019B960494DF}">
-                <a14:hiddenLine xmlns="" xmlns:a14="http://schemas.microsoft.com/office/drawing/2010/main" w="9525">
+                <a14:hiddenLine xmlns:a14="http://schemas.microsoft.com/office/drawing/2010/main" xmlns="" w="9525">
                   <a:solidFill>
                     <a:srgbClr val="000000"/>
                   </a:solidFill>
@@ -4926,7 +4926,7 @@
             </a:ln>
             <a:extLst>
               <a:ext uri="{91240B29-F687-4f45-9708-019B960494DF}">
-                <a14:hiddenLine xmlns="" xmlns:a14="http://schemas.microsoft.com/office/drawing/2010/main" w="9525">
+                <a14:hiddenLine xmlns:a14="http://schemas.microsoft.com/office/drawing/2010/main" xmlns="" w="9525">
                   <a:solidFill>
                     <a:srgbClr val="000000"/>
                   </a:solidFill>
@@ -5016,7 +5016,7 @@
             </a:ln>
             <a:extLst>
               <a:ext uri="{91240B29-F687-4f45-9708-019B960494DF}">
-                <a14:hiddenLine xmlns="" xmlns:a14="http://schemas.microsoft.com/office/drawing/2010/main" w="9525">
+                <a14:hiddenLine xmlns:a14="http://schemas.microsoft.com/office/drawing/2010/main" xmlns="" w="9525">
                   <a:solidFill>
                     <a:srgbClr val="000000"/>
                   </a:solidFill>
@@ -5072,7 +5072,7 @@
             </a:ln>
             <a:extLst>
               <a:ext uri="{91240B29-F687-4f45-9708-019B960494DF}">
-                <a14:hiddenLine xmlns="" xmlns:a14="http://schemas.microsoft.com/office/drawing/2010/main" w="9525">
+                <a14:hiddenLine xmlns:a14="http://schemas.microsoft.com/office/drawing/2010/main" xmlns="" w="9525">
                   <a:solidFill>
                     <a:srgbClr val="000000"/>
                   </a:solidFill>
@@ -5162,7 +5162,7 @@
             </a:ln>
             <a:extLst>
               <a:ext uri="{91240B29-F687-4f45-9708-019B960494DF}">
-                <a14:hiddenLine xmlns="" xmlns:a14="http://schemas.microsoft.com/office/drawing/2010/main" w="9525">
+                <a14:hiddenLine xmlns:a14="http://schemas.microsoft.com/office/drawing/2010/main" xmlns="" w="9525">
                   <a:solidFill>
                     <a:srgbClr val="000000"/>
                   </a:solidFill>
@@ -5218,7 +5218,7 @@
             </a:ln>
             <a:extLst>
               <a:ext uri="{91240B29-F687-4f45-9708-019B960494DF}">
-                <a14:hiddenLine xmlns="" xmlns:a14="http://schemas.microsoft.com/office/drawing/2010/main" w="9525">
+                <a14:hiddenLine xmlns:a14="http://schemas.microsoft.com/office/drawing/2010/main" xmlns="" w="9525">
                   <a:solidFill>
                     <a:srgbClr val="000000"/>
                   </a:solidFill>
@@ -5308,7 +5308,7 @@
             </a:ln>
             <a:extLst>
               <a:ext uri="{91240B29-F687-4f45-9708-019B960494DF}">
-                <a14:hiddenLine xmlns="" xmlns:a14="http://schemas.microsoft.com/office/drawing/2010/main" w="9525">
+                <a14:hiddenLine xmlns:a14="http://schemas.microsoft.com/office/drawing/2010/main" xmlns="" w="9525">
                   <a:solidFill>
                     <a:srgbClr val="000000"/>
                   </a:solidFill>
@@ -5376,7 +5376,7 @@
             </a:ln>
             <a:extLst>
               <a:ext uri="{91240B29-F687-4f45-9708-019B960494DF}">
-                <a14:hiddenLine xmlns="" xmlns:a14="http://schemas.microsoft.com/office/drawing/2010/main" w="9525">
+                <a14:hiddenLine xmlns:a14="http://schemas.microsoft.com/office/drawing/2010/main" xmlns="" w="9525">
                   <a:solidFill>
                     <a:srgbClr val="000000"/>
                   </a:solidFill>
@@ -5466,7 +5466,7 @@
             </a:ln>
             <a:extLst>
               <a:ext uri="{91240B29-F687-4f45-9708-019B960494DF}">
-                <a14:hiddenLine xmlns="" xmlns:a14="http://schemas.microsoft.com/office/drawing/2010/main" w="9525">
+                <a14:hiddenLine xmlns:a14="http://schemas.microsoft.com/office/drawing/2010/main" xmlns="" w="9525">
                   <a:solidFill>
                     <a:srgbClr val="000000"/>
                   </a:solidFill>
@@ -5534,7 +5534,7 @@
             </a:ln>
             <a:extLst>
               <a:ext uri="{91240B29-F687-4f45-9708-019B960494DF}">
-                <a14:hiddenLine xmlns="" xmlns:a14="http://schemas.microsoft.com/office/drawing/2010/main" w="9525">
+                <a14:hiddenLine xmlns:a14="http://schemas.microsoft.com/office/drawing/2010/main" xmlns="" w="9525">
                   <a:solidFill>
                     <a:srgbClr val="000000"/>
                   </a:solidFill>
@@ -5624,7 +5624,7 @@
             </a:ln>
             <a:extLst>
               <a:ext uri="{91240B29-F687-4f45-9708-019B960494DF}">
-                <a14:hiddenLine xmlns="" xmlns:a14="http://schemas.microsoft.com/office/drawing/2010/main" w="9525">
+                <a14:hiddenLine xmlns:a14="http://schemas.microsoft.com/office/drawing/2010/main" xmlns="" w="9525">
                   <a:solidFill>
                     <a:srgbClr val="000000"/>
                   </a:solidFill>
@@ -5658,7 +5658,7 @@
             </a:ln>
             <a:extLst>
               <a:ext uri="{91240B29-F687-4f45-9708-019B960494DF}">
-                <a14:hiddenLine xmlns="" xmlns:a14="http://schemas.microsoft.com/office/drawing/2010/main" w="9525">
+                <a14:hiddenLine xmlns:a14="http://schemas.microsoft.com/office/drawing/2010/main" xmlns="" w="9525">
                   <a:solidFill>
                     <a:srgbClr val="000000"/>
                   </a:solidFill>
@@ -5748,7 +5748,7 @@
             </a:ln>
             <a:extLst>
               <a:ext uri="{91240B29-F687-4f45-9708-019B960494DF}">
-                <a14:hiddenLine xmlns="" xmlns:a14="http://schemas.microsoft.com/office/drawing/2010/main" w="9525">
+                <a14:hiddenLine xmlns:a14="http://schemas.microsoft.com/office/drawing/2010/main" xmlns="" w="9525">
                   <a:solidFill>
                     <a:srgbClr val="000000"/>
                   </a:solidFill>
@@ -5810,7 +5810,7 @@
             </a:ln>
             <a:extLst>
               <a:ext uri="{91240B29-F687-4f45-9708-019B960494DF}">
-                <a14:hiddenLine xmlns="" xmlns:a14="http://schemas.microsoft.com/office/drawing/2010/main" w="9525">
+                <a14:hiddenLine xmlns:a14="http://schemas.microsoft.com/office/drawing/2010/main" xmlns="" w="9525">
                   <a:solidFill>
                     <a:srgbClr val="000000"/>
                   </a:solidFill>
@@ -5872,7 +5872,7 @@
             </a:ln>
             <a:extLst>
               <a:ext uri="{91240B29-F687-4f45-9708-019B960494DF}">
-                <a14:hiddenLine xmlns="" xmlns:a14="http://schemas.microsoft.com/office/drawing/2010/main" w="9525">
+                <a14:hiddenLine xmlns:a14="http://schemas.microsoft.com/office/drawing/2010/main" xmlns="" w="9525">
                   <a:solidFill>
                     <a:srgbClr val="000000"/>
                   </a:solidFill>
@@ -5962,7 +5962,7 @@
             </a:ln>
             <a:extLst>
               <a:ext uri="{91240B29-F687-4f45-9708-019B960494DF}">
-                <a14:hiddenLine xmlns="" xmlns:a14="http://schemas.microsoft.com/office/drawing/2010/main" w="9525">
+                <a14:hiddenLine xmlns:a14="http://schemas.microsoft.com/office/drawing/2010/main" xmlns="" w="9525">
                   <a:solidFill>
                     <a:srgbClr val="000000"/>
                   </a:solidFill>
@@ -6030,7 +6030,7 @@
             </a:ln>
             <a:extLst>
               <a:ext uri="{91240B29-F687-4f45-9708-019B960494DF}">
-                <a14:hiddenLine xmlns="" xmlns:a14="http://schemas.microsoft.com/office/drawing/2010/main" w="9525">
+                <a14:hiddenLine xmlns:a14="http://schemas.microsoft.com/office/drawing/2010/main" xmlns="" w="9525">
                   <a:solidFill>
                     <a:srgbClr val="000000"/>
                   </a:solidFill>
@@ -6092,7 +6092,7 @@
             </a:ln>
             <a:extLst>
               <a:ext uri="{91240B29-F687-4f45-9708-019B960494DF}">
-                <a14:hiddenLine xmlns="" xmlns:a14="http://schemas.microsoft.com/office/drawing/2010/main" w="9525">
+                <a14:hiddenLine xmlns:a14="http://schemas.microsoft.com/office/drawing/2010/main" xmlns="" w="9525">
                   <a:solidFill>
                     <a:srgbClr val="000000"/>
                   </a:solidFill>
@@ -6182,7 +6182,7 @@
             </a:ln>
             <a:extLst>
               <a:ext uri="{91240B29-F687-4f45-9708-019B960494DF}">
-                <a14:hiddenLine xmlns="" xmlns:a14="http://schemas.microsoft.com/office/drawing/2010/main" w="9525">
+                <a14:hiddenLine xmlns:a14="http://schemas.microsoft.com/office/drawing/2010/main" xmlns="" w="9525">
                   <a:solidFill>
                     <a:srgbClr val="000000"/>
                   </a:solidFill>
@@ -6244,7 +6244,7 @@
             </a:ln>
             <a:extLst>
               <a:ext uri="{91240B29-F687-4f45-9708-019B960494DF}">
-                <a14:hiddenLine xmlns="" xmlns:a14="http://schemas.microsoft.com/office/drawing/2010/main" w="9525">
+                <a14:hiddenLine xmlns:a14="http://schemas.microsoft.com/office/drawing/2010/main" xmlns="" w="9525">
                   <a:solidFill>
                     <a:srgbClr val="000000"/>
                   </a:solidFill>
@@ -6334,7 +6334,7 @@
             </a:ln>
             <a:extLst>
               <a:ext uri="{91240B29-F687-4f45-9708-019B960494DF}">
-                <a14:hiddenLine xmlns="" xmlns:a14="http://schemas.microsoft.com/office/drawing/2010/main" w="9525">
+                <a14:hiddenLine xmlns:a14="http://schemas.microsoft.com/office/drawing/2010/main" xmlns="" w="9525">
                   <a:solidFill>
                     <a:srgbClr val="000000"/>
                   </a:solidFill>
@@ -6396,7 +6396,7 @@
             </a:ln>
             <a:extLst>
               <a:ext uri="{91240B29-F687-4f45-9708-019B960494DF}">
-                <a14:hiddenLine xmlns="" xmlns:a14="http://schemas.microsoft.com/office/drawing/2010/main" w="9525">
+                <a14:hiddenLine xmlns:a14="http://schemas.microsoft.com/office/drawing/2010/main" xmlns="" w="9525">
                   <a:solidFill>
                     <a:srgbClr val="000000"/>
                   </a:solidFill>
@@ -6486,7 +6486,7 @@
             </a:ln>
             <a:extLst>
               <a:ext uri="{91240B29-F687-4f45-9708-019B960494DF}">
-                <a14:hiddenLine xmlns="" xmlns:a14="http://schemas.microsoft.com/office/drawing/2010/main" w="9525">
+                <a14:hiddenLine xmlns:a14="http://schemas.microsoft.com/office/drawing/2010/main" xmlns="" w="9525">
                   <a:solidFill>
                     <a:srgbClr val="000000"/>
                   </a:solidFill>
@@ -6520,7 +6520,7 @@
             </a:ln>
             <a:extLst>
               <a:ext uri="{91240B29-F687-4f45-9708-019B960494DF}">
-                <a14:hiddenLine xmlns="" xmlns:a14="http://schemas.microsoft.com/office/drawing/2010/main" w="9525">
+                <a14:hiddenLine xmlns:a14="http://schemas.microsoft.com/office/drawing/2010/main" xmlns="" w="9525">
                   <a:solidFill>
                     <a:srgbClr val="000000"/>
                   </a:solidFill>
@@ -6585,7 +6585,7 @@
             </a:ln>
             <a:extLst>
               <a:ext uri="{91240B29-F687-4f45-9708-019B960494DF}">
-                <a14:hiddenLine xmlns="" xmlns:a14="http://schemas.microsoft.com/office/drawing/2010/main" w="9525">
+                <a14:hiddenLine xmlns:a14="http://schemas.microsoft.com/office/drawing/2010/main" xmlns="" w="9525">
                   <a:solidFill>
                     <a:srgbClr val="000000"/>
                   </a:solidFill>
@@ -6675,7 +6675,7 @@
             </a:ln>
             <a:extLst>
               <a:ext uri="{91240B29-F687-4f45-9708-019B960494DF}">
-                <a14:hiddenLine xmlns="" xmlns:a14="http://schemas.microsoft.com/office/drawing/2010/main" w="9525">
+                <a14:hiddenLine xmlns:a14="http://schemas.microsoft.com/office/drawing/2010/main" xmlns="" w="9525">
                   <a:solidFill>
                     <a:srgbClr val="000000"/>
                   </a:solidFill>
@@ -6737,7 +6737,7 @@
             </a:ln>
             <a:extLst>
               <a:ext uri="{91240B29-F687-4f45-9708-019B960494DF}">
-                <a14:hiddenLine xmlns="" xmlns:a14="http://schemas.microsoft.com/office/drawing/2010/main" w="9525">
+                <a14:hiddenLine xmlns:a14="http://schemas.microsoft.com/office/drawing/2010/main" xmlns="" w="9525">
                   <a:solidFill>
                     <a:srgbClr val="000000"/>
                   </a:solidFill>
@@ -6827,7 +6827,7 @@
             </a:ln>
             <a:extLst>
               <a:ext uri="{91240B29-F687-4f45-9708-019B960494DF}">
-                <a14:hiddenLine xmlns="" xmlns:a14="http://schemas.microsoft.com/office/drawing/2010/main" w="9525">
+                <a14:hiddenLine xmlns:a14="http://schemas.microsoft.com/office/drawing/2010/main" xmlns="" w="9525">
                   <a:solidFill>
                     <a:srgbClr val="000000"/>
                   </a:solidFill>
@@ -6917,7 +6917,7 @@
             </a:ln>
             <a:extLst>
               <a:ext uri="{91240B29-F687-4f45-9708-019B960494DF}">
-                <a14:hiddenLine xmlns="" xmlns:a14="http://schemas.microsoft.com/office/drawing/2010/main" w="9525">
+                <a14:hiddenLine xmlns:a14="http://schemas.microsoft.com/office/drawing/2010/main" xmlns="" w="9525">
                   <a:solidFill>
                     <a:srgbClr val="000000"/>
                   </a:solidFill>
@@ -6982,7 +6982,7 @@
             </a:ln>
             <a:extLst>
               <a:ext uri="{91240B29-F687-4f45-9708-019B960494DF}">
-                <a14:hiddenLine xmlns="" xmlns:a14="http://schemas.microsoft.com/office/drawing/2010/main" w="9525">
+                <a14:hiddenLine xmlns:a14="http://schemas.microsoft.com/office/drawing/2010/main" xmlns="" w="9525">
                   <a:solidFill>
                     <a:srgbClr val="000000"/>
                   </a:solidFill>
@@ -7044,7 +7044,7 @@
             </a:ln>
             <a:extLst>
               <a:ext uri="{91240B29-F687-4f45-9708-019B960494DF}">
-                <a14:hiddenLine xmlns="" xmlns:a14="http://schemas.microsoft.com/office/drawing/2010/main" w="9525">
+                <a14:hiddenLine xmlns:a14="http://schemas.microsoft.com/office/drawing/2010/main" xmlns="" w="9525">
                   <a:solidFill>
                     <a:srgbClr val="000000"/>
                   </a:solidFill>
@@ -7134,7 +7134,7 @@
             </a:ln>
             <a:extLst>
               <a:ext uri="{91240B29-F687-4f45-9708-019B960494DF}">
-                <a14:hiddenLine xmlns="" xmlns:a14="http://schemas.microsoft.com/office/drawing/2010/main" w="9525">
+                <a14:hiddenLine xmlns:a14="http://schemas.microsoft.com/office/drawing/2010/main" xmlns="" w="9525">
                   <a:solidFill>
                     <a:srgbClr val="000000"/>
                   </a:solidFill>
@@ -7224,7 +7224,7 @@
             </a:ln>
             <a:extLst>
               <a:ext uri="{91240B29-F687-4f45-9708-019B960494DF}">
-                <a14:hiddenLine xmlns="" xmlns:a14="http://schemas.microsoft.com/office/drawing/2010/main" w="9525">
+                <a14:hiddenLine xmlns:a14="http://schemas.microsoft.com/office/drawing/2010/main" xmlns="" w="9525">
                   <a:solidFill>
                     <a:srgbClr val="000000"/>
                   </a:solidFill>
@@ -7286,7 +7286,7 @@
             </a:ln>
             <a:extLst>
               <a:ext uri="{91240B29-F687-4f45-9708-019B960494DF}">
-                <a14:hiddenLine xmlns="" xmlns:a14="http://schemas.microsoft.com/office/drawing/2010/main" w="9525">
+                <a14:hiddenLine xmlns:a14="http://schemas.microsoft.com/office/drawing/2010/main" xmlns="" w="9525">
                   <a:solidFill>
                     <a:srgbClr val="000000"/>
                   </a:solidFill>
@@ -7406,7 +7406,7 @@
             </a:ln>
             <a:extLst>
               <a:ext uri="{91240B29-F687-4f45-9708-019B960494DF}">
-                <a14:hiddenLine xmlns="" xmlns:a14="http://schemas.microsoft.com/office/drawing/2010/main" w="9525">
+                <a14:hiddenLine xmlns:a14="http://schemas.microsoft.com/office/drawing/2010/main" xmlns="" w="9525">
                   <a:solidFill>
                     <a:srgbClr val="000000"/>
                   </a:solidFill>
@@ -7474,7 +7474,7 @@
             </a:ln>
             <a:extLst>
               <a:ext uri="{91240B29-F687-4f45-9708-019B960494DF}">
-                <a14:hiddenLine xmlns="" xmlns:a14="http://schemas.microsoft.com/office/drawing/2010/main" w="9525">
+                <a14:hiddenLine xmlns:a14="http://schemas.microsoft.com/office/drawing/2010/main" xmlns="" w="9525">
                   <a:solidFill>
                     <a:srgbClr val="000000"/>
                   </a:solidFill>
@@ -7564,7 +7564,7 @@
             </a:ln>
             <a:extLst>
               <a:ext uri="{91240B29-F687-4f45-9708-019B960494DF}">
-                <a14:hiddenLine xmlns="" xmlns:a14="http://schemas.microsoft.com/office/drawing/2010/main" w="9525">
+                <a14:hiddenLine xmlns:a14="http://schemas.microsoft.com/office/drawing/2010/main" xmlns="" w="9525">
                   <a:solidFill>
                     <a:srgbClr val="000000"/>
                   </a:solidFill>
@@ -7704,7 +7704,7 @@
           <a:p>
             <a:fld id="{48A87A34-81AB-432B-8DAE-1953F412C126}" type="datetimeFigureOut">
               <a:rPr lang="en-US" dirty="0"/>
-              <a:t>9/6/2018</a:t>
+              <a:t>12/9/2018</a:t>
             </a:fld>
             <a:endParaRPr lang="en-US" dirty="0"/>
           </a:p>
@@ -7966,7 +7966,7 @@
           <a:p>
             <a:fld id="{48A87A34-81AB-432B-8DAE-1953F412C126}" type="datetimeFigureOut">
               <a:rPr lang="en-US" dirty="0"/>
-              <a:t>9/6/2018</a:t>
+              <a:t>12/9/2018</a:t>
             </a:fld>
             <a:endParaRPr lang="en-US" dirty="0"/>
           </a:p>
@@ -8157,7 +8157,7 @@
           <a:p>
             <a:fld id="{48A87A34-81AB-432B-8DAE-1953F412C126}" type="datetimeFigureOut">
               <a:rPr lang="en-US" dirty="0"/>
-              <a:t>9/6/2018</a:t>
+              <a:t>12/9/2018</a:t>
             </a:fld>
             <a:endParaRPr lang="en-US" dirty="0"/>
           </a:p>
@@ -8415,7 +8415,7 @@
           <a:p>
             <a:fld id="{48A87A34-81AB-432B-8DAE-1953F412C126}" type="datetimeFigureOut">
               <a:rPr lang="en-US" dirty="0"/>
-              <a:t>9/6/2018</a:t>
+              <a:t>12/9/2018</a:t>
             </a:fld>
             <a:endParaRPr lang="en-US" dirty="0"/>
           </a:p>
@@ -8844,7 +8844,7 @@
           <a:p>
             <a:fld id="{48A87A34-81AB-432B-8DAE-1953F412C126}" type="datetimeFigureOut">
               <a:rPr lang="en-US" dirty="0"/>
-              <a:t>9/6/2018</a:t>
+              <a:t>12/9/2018</a:t>
             </a:fld>
             <a:endParaRPr lang="en-US" dirty="0"/>
           </a:p>
@@ -9385,7 +9385,7 @@
           <a:p>
             <a:fld id="{48A87A34-81AB-432B-8DAE-1953F412C126}" type="datetimeFigureOut">
               <a:rPr lang="en-US" dirty="0"/>
-              <a:t>9/6/2018</a:t>
+              <a:t>12/9/2018</a:t>
             </a:fld>
             <a:endParaRPr lang="en-US" dirty="0"/>
           </a:p>
@@ -10100,7 +10100,7 @@
           <a:p>
             <a:fld id="{48A87A34-81AB-432B-8DAE-1953F412C126}" type="datetimeFigureOut">
               <a:rPr lang="en-US" dirty="0"/>
-              <a:t>9/6/2018</a:t>
+              <a:t>12/9/2018</a:t>
             </a:fld>
             <a:endParaRPr lang="en-US" dirty="0"/>
           </a:p>
@@ -10265,7 +10265,7 @@
           <a:p>
             <a:fld id="{48A87A34-81AB-432B-8DAE-1953F412C126}" type="datetimeFigureOut">
               <a:rPr lang="en-US" dirty="0"/>
-              <a:t>9/6/2018</a:t>
+              <a:t>12/9/2018</a:t>
             </a:fld>
             <a:endParaRPr lang="en-US" dirty="0"/>
           </a:p>
@@ -10440,7 +10440,7 @@
           <a:p>
             <a:fld id="{48A87A34-81AB-432B-8DAE-1953F412C126}" type="datetimeFigureOut">
               <a:rPr lang="en-US" dirty="0"/>
-              <a:t>9/6/2018</a:t>
+              <a:t>12/9/2018</a:t>
             </a:fld>
             <a:endParaRPr lang="en-US" dirty="0"/>
           </a:p>
@@ -10553,7 +10553,7 @@
           <a:noFill/>
           <a:extLst>
             <a:ext uri="{909E8E84-426E-40dd-AFC4-6F175D3DCCD1}">
-              <a14:hiddenFill xmlns="" xmlns:a14="http://schemas.microsoft.com/office/drawing/2010/main">
+              <a14:hiddenFill xmlns:a14="http://schemas.microsoft.com/office/drawing/2010/main" xmlns="">
                 <a:solidFill>
                   <a:srgbClr val="FFFFFF"/>
                 </a:solidFill>
@@ -10612,7 +10612,7 @@
             </a:ln>
             <a:extLst>
               <a:ext uri="{91240B29-F687-4f45-9708-019B960494DF}">
-                <a14:hiddenLine xmlns="" xmlns:a14="http://schemas.microsoft.com/office/drawing/2010/main" w="9525">
+                <a14:hiddenLine xmlns:a14="http://schemas.microsoft.com/office/drawing/2010/main" xmlns="" w="9525">
                   <a:solidFill>
                     <a:srgbClr val="000000"/>
                   </a:solidFill>
@@ -10702,7 +10702,7 @@
             </a:ln>
             <a:extLst>
               <a:ext uri="{91240B29-F687-4f45-9708-019B960494DF}">
-                <a14:hiddenLine xmlns="" xmlns:a14="http://schemas.microsoft.com/office/drawing/2010/main" w="9525">
+                <a14:hiddenLine xmlns:a14="http://schemas.microsoft.com/office/drawing/2010/main" xmlns="" w="9525">
                   <a:solidFill>
                     <a:srgbClr val="000000"/>
                   </a:solidFill>
@@ -10792,7 +10792,7 @@
             </a:ln>
             <a:extLst>
               <a:ext uri="{91240B29-F687-4f45-9708-019B960494DF}">
-                <a14:hiddenLine xmlns="" xmlns:a14="http://schemas.microsoft.com/office/drawing/2010/main" w="9525">
+                <a14:hiddenLine xmlns:a14="http://schemas.microsoft.com/office/drawing/2010/main" xmlns="" w="9525">
                   <a:solidFill>
                     <a:srgbClr val="000000"/>
                   </a:solidFill>
@@ -10826,7 +10826,7 @@
             </a:ln>
             <a:extLst>
               <a:ext uri="{91240B29-F687-4f45-9708-019B960494DF}">
-                <a14:hiddenLine xmlns="" xmlns:a14="http://schemas.microsoft.com/office/drawing/2010/main" w="9525">
+                <a14:hiddenLine xmlns:a14="http://schemas.microsoft.com/office/drawing/2010/main" xmlns="" w="9525">
                   <a:solidFill>
                     <a:srgbClr val="000000"/>
                   </a:solidFill>
@@ -10916,7 +10916,7 @@
             </a:ln>
             <a:extLst>
               <a:ext uri="{91240B29-F687-4f45-9708-019B960494DF}">
-                <a14:hiddenLine xmlns="" xmlns:a14="http://schemas.microsoft.com/office/drawing/2010/main" w="9525">
+                <a14:hiddenLine xmlns:a14="http://schemas.microsoft.com/office/drawing/2010/main" xmlns="" w="9525">
                   <a:solidFill>
                     <a:srgbClr val="000000"/>
                   </a:solidFill>
@@ -10978,7 +10978,7 @@
             </a:ln>
             <a:extLst>
               <a:ext uri="{91240B29-F687-4f45-9708-019B960494DF}">
-                <a14:hiddenLine xmlns="" xmlns:a14="http://schemas.microsoft.com/office/drawing/2010/main" w="9525">
+                <a14:hiddenLine xmlns:a14="http://schemas.microsoft.com/office/drawing/2010/main" xmlns="" w="9525">
                   <a:solidFill>
                     <a:srgbClr val="000000"/>
                   </a:solidFill>
@@ -11040,7 +11040,7 @@
             </a:ln>
             <a:extLst>
               <a:ext uri="{91240B29-F687-4f45-9708-019B960494DF}">
-                <a14:hiddenLine xmlns="" xmlns:a14="http://schemas.microsoft.com/office/drawing/2010/main" w="9525">
+                <a14:hiddenLine xmlns:a14="http://schemas.microsoft.com/office/drawing/2010/main" xmlns="" w="9525">
                   <a:solidFill>
                     <a:srgbClr val="000000"/>
                   </a:solidFill>
@@ -11130,7 +11130,7 @@
             </a:ln>
             <a:extLst>
               <a:ext uri="{91240B29-F687-4f45-9708-019B960494DF}">
-                <a14:hiddenLine xmlns="" xmlns:a14="http://schemas.microsoft.com/office/drawing/2010/main" w="9525">
+                <a14:hiddenLine xmlns:a14="http://schemas.microsoft.com/office/drawing/2010/main" xmlns="" w="9525">
                   <a:solidFill>
                     <a:srgbClr val="000000"/>
                   </a:solidFill>
@@ -11192,7 +11192,7 @@
             </a:ln>
             <a:extLst>
               <a:ext uri="{91240B29-F687-4f45-9708-019B960494DF}">
-                <a14:hiddenLine xmlns="" xmlns:a14="http://schemas.microsoft.com/office/drawing/2010/main" w="9525">
+                <a14:hiddenLine xmlns:a14="http://schemas.microsoft.com/office/drawing/2010/main" xmlns="" w="9525">
                   <a:solidFill>
                     <a:srgbClr val="000000"/>
                   </a:solidFill>
@@ -11254,7 +11254,7 @@
             </a:ln>
             <a:extLst>
               <a:ext uri="{91240B29-F687-4f45-9708-019B960494DF}">
-                <a14:hiddenLine xmlns="" xmlns:a14="http://schemas.microsoft.com/office/drawing/2010/main" w="9525">
+                <a14:hiddenLine xmlns:a14="http://schemas.microsoft.com/office/drawing/2010/main" xmlns="" w="9525">
                   <a:solidFill>
                     <a:srgbClr val="000000"/>
                   </a:solidFill>
@@ -11344,7 +11344,7 @@
             </a:ln>
             <a:extLst>
               <a:ext uri="{91240B29-F687-4f45-9708-019B960494DF}">
-                <a14:hiddenLine xmlns="" xmlns:a14="http://schemas.microsoft.com/office/drawing/2010/main" w="9525">
+                <a14:hiddenLine xmlns:a14="http://schemas.microsoft.com/office/drawing/2010/main" xmlns="" w="9525">
                   <a:solidFill>
                     <a:srgbClr val="000000"/>
                   </a:solidFill>
@@ -11434,7 +11434,7 @@
             </a:ln>
             <a:extLst>
               <a:ext uri="{91240B29-F687-4f45-9708-019B960494DF}">
-                <a14:hiddenLine xmlns="" xmlns:a14="http://schemas.microsoft.com/office/drawing/2010/main" w="9525">
+                <a14:hiddenLine xmlns:a14="http://schemas.microsoft.com/office/drawing/2010/main" xmlns="" w="9525">
                   <a:solidFill>
                     <a:srgbClr val="000000"/>
                   </a:solidFill>
@@ -11496,7 +11496,7 @@
             </a:ln>
             <a:extLst>
               <a:ext uri="{91240B29-F687-4f45-9708-019B960494DF}">
-                <a14:hiddenLine xmlns="" xmlns:a14="http://schemas.microsoft.com/office/drawing/2010/main" w="9525">
+                <a14:hiddenLine xmlns:a14="http://schemas.microsoft.com/office/drawing/2010/main" xmlns="" w="9525">
                   <a:solidFill>
                     <a:srgbClr val="000000"/>
                   </a:solidFill>
@@ -11606,7 +11606,7 @@
             </a:ln>
             <a:extLst>
               <a:ext uri="{91240B29-F687-4f45-9708-019B960494DF}">
-                <a14:hiddenLine xmlns="" xmlns:a14="http://schemas.microsoft.com/office/drawing/2010/main" w="9525">
+                <a14:hiddenLine xmlns:a14="http://schemas.microsoft.com/office/drawing/2010/main" xmlns="" w="9525">
                   <a:solidFill>
                     <a:srgbClr val="000000"/>
                   </a:solidFill>
@@ -11668,7 +11668,7 @@
             </a:ln>
             <a:extLst>
               <a:ext uri="{91240B29-F687-4f45-9708-019B960494DF}">
-                <a14:hiddenLine xmlns="" xmlns:a14="http://schemas.microsoft.com/office/drawing/2010/main" w="9525">
+                <a14:hiddenLine xmlns:a14="http://schemas.microsoft.com/office/drawing/2010/main" xmlns="" w="9525">
                   <a:solidFill>
                     <a:srgbClr val="000000"/>
                   </a:solidFill>
@@ -11758,7 +11758,7 @@
             </a:ln>
             <a:extLst>
               <a:ext uri="{91240B29-F687-4f45-9708-019B960494DF}">
-                <a14:hiddenLine xmlns="" xmlns:a14="http://schemas.microsoft.com/office/drawing/2010/main" w="9525">
+                <a14:hiddenLine xmlns:a14="http://schemas.microsoft.com/office/drawing/2010/main" xmlns="" w="9525">
                   <a:solidFill>
                     <a:srgbClr val="000000"/>
                   </a:solidFill>
@@ -11848,7 +11848,7 @@
             </a:ln>
             <a:extLst>
               <a:ext uri="{91240B29-F687-4f45-9708-019B960494DF}">
-                <a14:hiddenLine xmlns="" xmlns:a14="http://schemas.microsoft.com/office/drawing/2010/main" w="9525">
+                <a14:hiddenLine xmlns:a14="http://schemas.microsoft.com/office/drawing/2010/main" xmlns="" w="9525">
                   <a:solidFill>
                     <a:srgbClr val="000000"/>
                   </a:solidFill>
@@ -11910,7 +11910,7 @@
             </a:ln>
             <a:extLst>
               <a:ext uri="{91240B29-F687-4f45-9708-019B960494DF}">
-                <a14:hiddenLine xmlns="" xmlns:a14="http://schemas.microsoft.com/office/drawing/2010/main" w="9525">
+                <a14:hiddenLine xmlns:a14="http://schemas.microsoft.com/office/drawing/2010/main" xmlns="" w="9525">
                   <a:solidFill>
                     <a:srgbClr val="000000"/>
                   </a:solidFill>
@@ -12000,7 +12000,7 @@
             </a:ln>
             <a:extLst>
               <a:ext uri="{91240B29-F687-4f45-9708-019B960494DF}">
-                <a14:hiddenLine xmlns="" xmlns:a14="http://schemas.microsoft.com/office/drawing/2010/main" w="9525">
+                <a14:hiddenLine xmlns:a14="http://schemas.microsoft.com/office/drawing/2010/main" xmlns="" w="9525">
                   <a:solidFill>
                     <a:srgbClr val="000000"/>
                   </a:solidFill>
@@ -12090,7 +12090,7 @@
             </a:ln>
             <a:extLst>
               <a:ext uri="{91240B29-F687-4f45-9708-019B960494DF}">
-                <a14:hiddenLine xmlns="" xmlns:a14="http://schemas.microsoft.com/office/drawing/2010/main" w="9525">
+                <a14:hiddenLine xmlns:a14="http://schemas.microsoft.com/office/drawing/2010/main" xmlns="" w="9525">
                   <a:solidFill>
                     <a:srgbClr val="000000"/>
                   </a:solidFill>
@@ -12146,7 +12146,7 @@
             </a:ln>
             <a:extLst>
               <a:ext uri="{91240B29-F687-4f45-9708-019B960494DF}">
-                <a14:hiddenLine xmlns="" xmlns:a14="http://schemas.microsoft.com/office/drawing/2010/main" w="9525">
+                <a14:hiddenLine xmlns:a14="http://schemas.microsoft.com/office/drawing/2010/main" xmlns="" w="9525">
                   <a:solidFill>
                     <a:srgbClr val="000000"/>
                   </a:solidFill>
@@ -12236,7 +12236,7 @@
             </a:ln>
             <a:extLst>
               <a:ext uri="{91240B29-F687-4f45-9708-019B960494DF}">
-                <a14:hiddenLine xmlns="" xmlns:a14="http://schemas.microsoft.com/office/drawing/2010/main" w="9525">
+                <a14:hiddenLine xmlns:a14="http://schemas.microsoft.com/office/drawing/2010/main" xmlns="" w="9525">
                   <a:solidFill>
                     <a:srgbClr val="000000"/>
                   </a:solidFill>
@@ -12292,7 +12292,7 @@
             </a:ln>
             <a:extLst>
               <a:ext uri="{91240B29-F687-4f45-9708-019B960494DF}">
-                <a14:hiddenLine xmlns="" xmlns:a14="http://schemas.microsoft.com/office/drawing/2010/main" w="9525">
+                <a14:hiddenLine xmlns:a14="http://schemas.microsoft.com/office/drawing/2010/main" xmlns="" w="9525">
                   <a:solidFill>
                     <a:srgbClr val="000000"/>
                   </a:solidFill>
@@ -12382,7 +12382,7 @@
             </a:ln>
             <a:extLst>
               <a:ext uri="{91240B29-F687-4f45-9708-019B960494DF}">
-                <a14:hiddenLine xmlns="" xmlns:a14="http://schemas.microsoft.com/office/drawing/2010/main" w="9525">
+                <a14:hiddenLine xmlns:a14="http://schemas.microsoft.com/office/drawing/2010/main" xmlns="" w="9525">
                   <a:solidFill>
                     <a:srgbClr val="000000"/>
                   </a:solidFill>
@@ -12450,7 +12450,7 @@
             </a:ln>
             <a:extLst>
               <a:ext uri="{91240B29-F687-4f45-9708-019B960494DF}">
-                <a14:hiddenLine xmlns="" xmlns:a14="http://schemas.microsoft.com/office/drawing/2010/main" w="9525">
+                <a14:hiddenLine xmlns:a14="http://schemas.microsoft.com/office/drawing/2010/main" xmlns="" w="9525">
                   <a:solidFill>
                     <a:srgbClr val="000000"/>
                   </a:solidFill>
@@ -12540,7 +12540,7 @@
             </a:ln>
             <a:extLst>
               <a:ext uri="{91240B29-F687-4f45-9708-019B960494DF}">
-                <a14:hiddenLine xmlns="" xmlns:a14="http://schemas.microsoft.com/office/drawing/2010/main" w="9525">
+                <a14:hiddenLine xmlns:a14="http://schemas.microsoft.com/office/drawing/2010/main" xmlns="" w="9525">
                   <a:solidFill>
                     <a:srgbClr val="000000"/>
                   </a:solidFill>
@@ -12608,7 +12608,7 @@
             </a:ln>
             <a:extLst>
               <a:ext uri="{91240B29-F687-4f45-9708-019B960494DF}">
-                <a14:hiddenLine xmlns="" xmlns:a14="http://schemas.microsoft.com/office/drawing/2010/main" w="9525">
+                <a14:hiddenLine xmlns:a14="http://schemas.microsoft.com/office/drawing/2010/main" xmlns="" w="9525">
                   <a:solidFill>
                     <a:srgbClr val="000000"/>
                   </a:solidFill>
@@ -12698,7 +12698,7 @@
             </a:ln>
             <a:extLst>
               <a:ext uri="{91240B29-F687-4f45-9708-019B960494DF}">
-                <a14:hiddenLine xmlns="" xmlns:a14="http://schemas.microsoft.com/office/drawing/2010/main" w="9525">
+                <a14:hiddenLine xmlns:a14="http://schemas.microsoft.com/office/drawing/2010/main" xmlns="" w="9525">
                   <a:solidFill>
                     <a:srgbClr val="000000"/>
                   </a:solidFill>
@@ -12732,7 +12732,7 @@
             </a:ln>
             <a:extLst>
               <a:ext uri="{91240B29-F687-4f45-9708-019B960494DF}">
-                <a14:hiddenLine xmlns="" xmlns:a14="http://schemas.microsoft.com/office/drawing/2010/main" w="9525">
+                <a14:hiddenLine xmlns:a14="http://schemas.microsoft.com/office/drawing/2010/main" xmlns="" w="9525">
                   <a:solidFill>
                     <a:srgbClr val="000000"/>
                   </a:solidFill>
@@ -12822,7 +12822,7 @@
             </a:ln>
             <a:extLst>
               <a:ext uri="{91240B29-F687-4f45-9708-019B960494DF}">
-                <a14:hiddenLine xmlns="" xmlns:a14="http://schemas.microsoft.com/office/drawing/2010/main" w="9525">
+                <a14:hiddenLine xmlns:a14="http://schemas.microsoft.com/office/drawing/2010/main" xmlns="" w="9525">
                   <a:solidFill>
                     <a:srgbClr val="000000"/>
                   </a:solidFill>
@@ -12884,7 +12884,7 @@
             </a:ln>
             <a:extLst>
               <a:ext uri="{91240B29-F687-4f45-9708-019B960494DF}">
-                <a14:hiddenLine xmlns="" xmlns:a14="http://schemas.microsoft.com/office/drawing/2010/main" w="9525">
+                <a14:hiddenLine xmlns:a14="http://schemas.microsoft.com/office/drawing/2010/main" xmlns="" w="9525">
                   <a:solidFill>
                     <a:srgbClr val="000000"/>
                   </a:solidFill>
@@ -12946,7 +12946,7 @@
             </a:ln>
             <a:extLst>
               <a:ext uri="{91240B29-F687-4f45-9708-019B960494DF}">
-                <a14:hiddenLine xmlns="" xmlns:a14="http://schemas.microsoft.com/office/drawing/2010/main" w="9525">
+                <a14:hiddenLine xmlns:a14="http://schemas.microsoft.com/office/drawing/2010/main" xmlns="" w="9525">
                   <a:solidFill>
                     <a:srgbClr val="000000"/>
                   </a:solidFill>
@@ -13036,7 +13036,7 @@
             </a:ln>
             <a:extLst>
               <a:ext uri="{91240B29-F687-4f45-9708-019B960494DF}">
-                <a14:hiddenLine xmlns="" xmlns:a14="http://schemas.microsoft.com/office/drawing/2010/main" w="9525">
+                <a14:hiddenLine xmlns:a14="http://schemas.microsoft.com/office/drawing/2010/main" xmlns="" w="9525">
                   <a:solidFill>
                     <a:srgbClr val="000000"/>
                   </a:solidFill>
@@ -13104,7 +13104,7 @@
             </a:ln>
             <a:extLst>
               <a:ext uri="{91240B29-F687-4f45-9708-019B960494DF}">
-                <a14:hiddenLine xmlns="" xmlns:a14="http://schemas.microsoft.com/office/drawing/2010/main" w="9525">
+                <a14:hiddenLine xmlns:a14="http://schemas.microsoft.com/office/drawing/2010/main" xmlns="" w="9525">
                   <a:solidFill>
                     <a:srgbClr val="000000"/>
                   </a:solidFill>
@@ -13166,7 +13166,7 @@
             </a:ln>
             <a:extLst>
               <a:ext uri="{91240B29-F687-4f45-9708-019B960494DF}">
-                <a14:hiddenLine xmlns="" xmlns:a14="http://schemas.microsoft.com/office/drawing/2010/main" w="9525">
+                <a14:hiddenLine xmlns:a14="http://schemas.microsoft.com/office/drawing/2010/main" xmlns="" w="9525">
                   <a:solidFill>
                     <a:srgbClr val="000000"/>
                   </a:solidFill>
@@ -13256,7 +13256,7 @@
             </a:ln>
             <a:extLst>
               <a:ext uri="{91240B29-F687-4f45-9708-019B960494DF}">
-                <a14:hiddenLine xmlns="" xmlns:a14="http://schemas.microsoft.com/office/drawing/2010/main" w="9525">
+                <a14:hiddenLine xmlns:a14="http://schemas.microsoft.com/office/drawing/2010/main" xmlns="" w="9525">
                   <a:solidFill>
                     <a:srgbClr val="000000"/>
                   </a:solidFill>
@@ -13318,7 +13318,7 @@
             </a:ln>
             <a:extLst>
               <a:ext uri="{91240B29-F687-4f45-9708-019B960494DF}">
-                <a14:hiddenLine xmlns="" xmlns:a14="http://schemas.microsoft.com/office/drawing/2010/main" w="9525">
+                <a14:hiddenLine xmlns:a14="http://schemas.microsoft.com/office/drawing/2010/main" xmlns="" w="9525">
                   <a:solidFill>
                     <a:srgbClr val="000000"/>
                   </a:solidFill>
@@ -13408,7 +13408,7 @@
             </a:ln>
             <a:extLst>
               <a:ext uri="{91240B29-F687-4f45-9708-019B960494DF}">
-                <a14:hiddenLine xmlns="" xmlns:a14="http://schemas.microsoft.com/office/drawing/2010/main" w="9525">
+                <a14:hiddenLine xmlns:a14="http://schemas.microsoft.com/office/drawing/2010/main" xmlns="" w="9525">
                   <a:solidFill>
                     <a:srgbClr val="000000"/>
                   </a:solidFill>
@@ -13470,7 +13470,7 @@
             </a:ln>
             <a:extLst>
               <a:ext uri="{91240B29-F687-4f45-9708-019B960494DF}">
-                <a14:hiddenLine xmlns="" xmlns:a14="http://schemas.microsoft.com/office/drawing/2010/main" w="9525">
+                <a14:hiddenLine xmlns:a14="http://schemas.microsoft.com/office/drawing/2010/main" xmlns="" w="9525">
                   <a:solidFill>
                     <a:srgbClr val="000000"/>
                   </a:solidFill>
@@ -13560,7 +13560,7 @@
             </a:ln>
             <a:extLst>
               <a:ext uri="{91240B29-F687-4f45-9708-019B960494DF}">
-                <a14:hiddenLine xmlns="" xmlns:a14="http://schemas.microsoft.com/office/drawing/2010/main" w="9525">
+                <a14:hiddenLine xmlns:a14="http://schemas.microsoft.com/office/drawing/2010/main" xmlns="" w="9525">
                   <a:solidFill>
                     <a:srgbClr val="000000"/>
                   </a:solidFill>
@@ -13594,7 +13594,7 @@
             </a:ln>
             <a:extLst>
               <a:ext uri="{91240B29-F687-4f45-9708-019B960494DF}">
-                <a14:hiddenLine xmlns="" xmlns:a14="http://schemas.microsoft.com/office/drawing/2010/main" w="9525">
+                <a14:hiddenLine xmlns:a14="http://schemas.microsoft.com/office/drawing/2010/main" xmlns="" w="9525">
                   <a:solidFill>
                     <a:srgbClr val="000000"/>
                   </a:solidFill>
@@ -13659,7 +13659,7 @@
             </a:ln>
             <a:extLst>
               <a:ext uri="{91240B29-F687-4f45-9708-019B960494DF}">
-                <a14:hiddenLine xmlns="" xmlns:a14="http://schemas.microsoft.com/office/drawing/2010/main" w="9525">
+                <a14:hiddenLine xmlns:a14="http://schemas.microsoft.com/office/drawing/2010/main" xmlns="" w="9525">
                   <a:solidFill>
                     <a:srgbClr val="000000"/>
                   </a:solidFill>
@@ -13749,7 +13749,7 @@
             </a:ln>
             <a:extLst>
               <a:ext uri="{91240B29-F687-4f45-9708-019B960494DF}">
-                <a14:hiddenLine xmlns="" xmlns:a14="http://schemas.microsoft.com/office/drawing/2010/main" w="9525">
+                <a14:hiddenLine xmlns:a14="http://schemas.microsoft.com/office/drawing/2010/main" xmlns="" w="9525">
                   <a:solidFill>
                     <a:srgbClr val="000000"/>
                   </a:solidFill>
@@ -13811,7 +13811,7 @@
             </a:ln>
             <a:extLst>
               <a:ext uri="{91240B29-F687-4f45-9708-019B960494DF}">
-                <a14:hiddenLine xmlns="" xmlns:a14="http://schemas.microsoft.com/office/drawing/2010/main" w="9525">
+                <a14:hiddenLine xmlns:a14="http://schemas.microsoft.com/office/drawing/2010/main" xmlns="" w="9525">
                   <a:solidFill>
                     <a:srgbClr val="000000"/>
                   </a:solidFill>
@@ -13901,7 +13901,7 @@
             </a:ln>
             <a:extLst>
               <a:ext uri="{91240B29-F687-4f45-9708-019B960494DF}">
-                <a14:hiddenLine xmlns="" xmlns:a14="http://schemas.microsoft.com/office/drawing/2010/main" w="9525">
+                <a14:hiddenLine xmlns:a14="http://schemas.microsoft.com/office/drawing/2010/main" xmlns="" w="9525">
                   <a:solidFill>
                     <a:srgbClr val="000000"/>
                   </a:solidFill>
@@ -13991,7 +13991,7 @@
             </a:ln>
             <a:extLst>
               <a:ext uri="{91240B29-F687-4f45-9708-019B960494DF}">
-                <a14:hiddenLine xmlns="" xmlns:a14="http://schemas.microsoft.com/office/drawing/2010/main" w="9525">
+                <a14:hiddenLine xmlns:a14="http://schemas.microsoft.com/office/drawing/2010/main" xmlns="" w="9525">
                   <a:solidFill>
                     <a:srgbClr val="000000"/>
                   </a:solidFill>
@@ -14056,7 +14056,7 @@
             </a:ln>
             <a:extLst>
               <a:ext uri="{91240B29-F687-4f45-9708-019B960494DF}">
-                <a14:hiddenLine xmlns="" xmlns:a14="http://schemas.microsoft.com/office/drawing/2010/main" w="9525">
+                <a14:hiddenLine xmlns:a14="http://schemas.microsoft.com/office/drawing/2010/main" xmlns="" w="9525">
                   <a:solidFill>
                     <a:srgbClr val="000000"/>
                   </a:solidFill>
@@ -14118,7 +14118,7 @@
             </a:ln>
             <a:extLst>
               <a:ext uri="{91240B29-F687-4f45-9708-019B960494DF}">
-                <a14:hiddenLine xmlns="" xmlns:a14="http://schemas.microsoft.com/office/drawing/2010/main" w="9525">
+                <a14:hiddenLine xmlns:a14="http://schemas.microsoft.com/office/drawing/2010/main" xmlns="" w="9525">
                   <a:solidFill>
                     <a:srgbClr val="000000"/>
                   </a:solidFill>
@@ -14208,7 +14208,7 @@
             </a:ln>
             <a:extLst>
               <a:ext uri="{91240B29-F687-4f45-9708-019B960494DF}">
-                <a14:hiddenLine xmlns="" xmlns:a14="http://schemas.microsoft.com/office/drawing/2010/main" w="9525">
+                <a14:hiddenLine xmlns:a14="http://schemas.microsoft.com/office/drawing/2010/main" xmlns="" w="9525">
                   <a:solidFill>
                     <a:srgbClr val="000000"/>
                   </a:solidFill>
@@ -14298,7 +14298,7 @@
             </a:ln>
             <a:extLst>
               <a:ext uri="{91240B29-F687-4f45-9708-019B960494DF}">
-                <a14:hiddenLine xmlns="" xmlns:a14="http://schemas.microsoft.com/office/drawing/2010/main" w="9525">
+                <a14:hiddenLine xmlns:a14="http://schemas.microsoft.com/office/drawing/2010/main" xmlns="" w="9525">
                   <a:solidFill>
                     <a:srgbClr val="000000"/>
                   </a:solidFill>
@@ -14360,7 +14360,7 @@
             </a:ln>
             <a:extLst>
               <a:ext uri="{91240B29-F687-4f45-9708-019B960494DF}">
-                <a14:hiddenLine xmlns="" xmlns:a14="http://schemas.microsoft.com/office/drawing/2010/main" w="9525">
+                <a14:hiddenLine xmlns:a14="http://schemas.microsoft.com/office/drawing/2010/main" xmlns="" w="9525">
                   <a:solidFill>
                     <a:srgbClr val="000000"/>
                   </a:solidFill>
@@ -14480,7 +14480,7 @@
             </a:ln>
             <a:extLst>
               <a:ext uri="{91240B29-F687-4f45-9708-019B960494DF}">
-                <a14:hiddenLine xmlns="" xmlns:a14="http://schemas.microsoft.com/office/drawing/2010/main" w="9525">
+                <a14:hiddenLine xmlns:a14="http://schemas.microsoft.com/office/drawing/2010/main" xmlns="" w="9525">
                   <a:solidFill>
                     <a:srgbClr val="000000"/>
                   </a:solidFill>
@@ -14548,7 +14548,7 @@
             </a:ln>
             <a:extLst>
               <a:ext uri="{91240B29-F687-4f45-9708-019B960494DF}">
-                <a14:hiddenLine xmlns="" xmlns:a14="http://schemas.microsoft.com/office/drawing/2010/main" w="9525">
+                <a14:hiddenLine xmlns:a14="http://schemas.microsoft.com/office/drawing/2010/main" xmlns="" w="9525">
                   <a:solidFill>
                     <a:srgbClr val="000000"/>
                   </a:solidFill>
@@ -14638,7 +14638,7 @@
             </a:ln>
             <a:extLst>
               <a:ext uri="{91240B29-F687-4f45-9708-019B960494DF}">
-                <a14:hiddenLine xmlns="" xmlns:a14="http://schemas.microsoft.com/office/drawing/2010/main" w="9525">
+                <a14:hiddenLine xmlns:a14="http://schemas.microsoft.com/office/drawing/2010/main" xmlns="" w="9525">
                   <a:solidFill>
                     <a:srgbClr val="000000"/>
                   </a:solidFill>
@@ -14778,7 +14778,7 @@
           <a:p>
             <a:fld id="{48A87A34-81AB-432B-8DAE-1953F412C126}" type="datetimeFigureOut">
               <a:rPr lang="en-US" smtClean="0"/>
-              <a:t>9/6/2018</a:t>
+              <a:t>12/9/2018</a:t>
             </a:fld>
             <a:endParaRPr lang="en-US" dirty="0"/>
           </a:p>
@@ -14958,7 +14958,7 @@
           <a:p>
             <a:fld id="{48A87A34-81AB-432B-8DAE-1953F412C126}" type="datetimeFigureOut">
               <a:rPr lang="en-US" smtClean="0"/>
-              <a:t>9/6/2018</a:t>
+              <a:t>12/9/2018</a:t>
             </a:fld>
             <a:endParaRPr lang="en-US" dirty="0"/>
           </a:p>
@@ -15128,7 +15128,7 @@
           <a:p>
             <a:fld id="{48A87A34-81AB-432B-8DAE-1953F412C126}" type="datetimeFigureOut">
               <a:rPr lang="en-US" dirty="0"/>
-              <a:t>9/6/2018</a:t>
+              <a:t>12/9/2018</a:t>
             </a:fld>
             <a:endParaRPr lang="en-US" dirty="0"/>
           </a:p>
@@ -15373,7 +15373,7 @@
           <a:p>
             <a:fld id="{48A87A34-81AB-432B-8DAE-1953F412C126}" type="datetimeFigureOut">
               <a:rPr lang="en-US" smtClean="0"/>
-              <a:t>9/6/2018</a:t>
+              <a:t>12/9/2018</a:t>
             </a:fld>
             <a:endParaRPr lang="en-US" dirty="0"/>
           </a:p>
@@ -15605,7 +15605,7 @@
           <a:p>
             <a:fld id="{48A87A34-81AB-432B-8DAE-1953F412C126}" type="datetimeFigureOut">
               <a:rPr lang="en-US" smtClean="0"/>
-              <a:t>9/6/2018</a:t>
+              <a:t>12/9/2018</a:t>
             </a:fld>
             <a:endParaRPr lang="en-US" dirty="0"/>
           </a:p>
@@ -15986,7 +15986,7 @@
           <a:p>
             <a:fld id="{48A87A34-81AB-432B-8DAE-1953F412C126}" type="datetimeFigureOut">
               <a:rPr lang="en-US" smtClean="0"/>
-              <a:t>9/6/2018</a:t>
+              <a:t>12/9/2018</a:t>
             </a:fld>
             <a:endParaRPr lang="en-US" dirty="0"/>
           </a:p>
@@ -16104,7 +16104,7 @@
           <a:p>
             <a:fld id="{48A87A34-81AB-432B-8DAE-1953F412C126}" type="datetimeFigureOut">
               <a:rPr lang="en-US" smtClean="0"/>
-              <a:t>9/6/2018</a:t>
+              <a:t>12/9/2018</a:t>
             </a:fld>
             <a:endParaRPr lang="en-US" dirty="0"/>
           </a:p>
@@ -16199,7 +16199,7 @@
           <a:p>
             <a:fld id="{48A87A34-81AB-432B-8DAE-1953F412C126}" type="datetimeFigureOut">
               <a:rPr lang="en-US" smtClean="0"/>
-              <a:t>9/6/2018</a:t>
+              <a:t>12/9/2018</a:t>
             </a:fld>
             <a:endParaRPr lang="en-US" dirty="0"/>
           </a:p>
@@ -16448,7 +16448,7 @@
           <a:p>
             <a:fld id="{48A87A34-81AB-432B-8DAE-1953F412C126}" type="datetimeFigureOut">
               <a:rPr lang="en-US" smtClean="0"/>
-              <a:t>9/6/2018</a:t>
+              <a:t>12/9/2018</a:t>
             </a:fld>
             <a:endParaRPr lang="en-US" dirty="0"/>
           </a:p>
@@ -16728,7 +16728,7 @@
           <a:p>
             <a:fld id="{48A87A34-81AB-432B-8DAE-1953F412C126}" type="datetimeFigureOut">
               <a:rPr lang="en-US" smtClean="0"/>
-              <a:t>9/6/2018</a:t>
+              <a:t>12/9/2018</a:t>
             </a:fld>
             <a:endParaRPr lang="en-US" dirty="0"/>
           </a:p>
@@ -16985,7 +16985,7 @@
           <a:p>
             <a:fld id="{48A87A34-81AB-432B-8DAE-1953F412C126}" type="datetimeFigureOut">
               <a:rPr lang="en-US" smtClean="0"/>
-              <a:t>9/6/2018</a:t>
+              <a:t>12/9/2018</a:t>
             </a:fld>
             <a:endParaRPr lang="en-US" dirty="0"/>
           </a:p>
@@ -17181,7 +17181,7 @@
           <a:p>
             <a:fld id="{48A87A34-81AB-432B-8DAE-1953F412C126}" type="datetimeFigureOut">
               <a:rPr lang="en-US" smtClean="0"/>
-              <a:t>9/6/2018</a:t>
+              <a:t>12/9/2018</a:t>
             </a:fld>
             <a:endParaRPr lang="en-US" dirty="0"/>
           </a:p>
@@ -17444,7 +17444,7 @@
           <a:p>
             <a:fld id="{48A87A34-81AB-432B-8DAE-1953F412C126}" type="datetimeFigureOut">
               <a:rPr lang="en-US" smtClean="0"/>
-              <a:t>9/6/2018</a:t>
+              <a:t>12/9/2018</a:t>
             </a:fld>
             <a:endParaRPr lang="en-US" dirty="0"/>
           </a:p>
@@ -17932,7 +17932,7 @@
           <a:p>
             <a:fld id="{48A87A34-81AB-432B-8DAE-1953F412C126}" type="datetimeFigureOut">
               <a:rPr lang="en-US" dirty="0"/>
-              <a:t>9/6/2018</a:t>
+              <a:t>12/9/2018</a:t>
             </a:fld>
             <a:endParaRPr lang="en-US" dirty="0"/>
           </a:p>
@@ -18123,7 +18123,7 @@
           <a:p>
             <a:fld id="{48A87A34-81AB-432B-8DAE-1953F412C126}" type="datetimeFigureOut">
               <a:rPr lang="en-US" smtClean="0"/>
-              <a:t>9/6/2018</a:t>
+              <a:t>12/9/2018</a:t>
             </a:fld>
             <a:endParaRPr lang="en-US" dirty="0"/>
           </a:p>
@@ -18669,7 +18669,7 @@
           <a:p>
             <a:fld id="{48A87A34-81AB-432B-8DAE-1953F412C126}" type="datetimeFigureOut">
               <a:rPr lang="en-US" smtClean="0"/>
-              <a:t>9/6/2018</a:t>
+              <a:t>12/9/2018</a:t>
             </a:fld>
             <a:endParaRPr lang="en-US" dirty="0"/>
           </a:p>
@@ -19389,7 +19389,7 @@
           <a:p>
             <a:fld id="{48A87A34-81AB-432B-8DAE-1953F412C126}" type="datetimeFigureOut">
               <a:rPr lang="en-US" smtClean="0"/>
-              <a:t>9/6/2018</a:t>
+              <a:t>12/9/2018</a:t>
             </a:fld>
             <a:endParaRPr lang="en-US" dirty="0"/>
           </a:p>
@@ -19559,7 +19559,7 @@
           <a:p>
             <a:fld id="{48A87A34-81AB-432B-8DAE-1953F412C126}" type="datetimeFigureOut">
               <a:rPr lang="en-US" smtClean="0"/>
-              <a:t>9/6/2018</a:t>
+              <a:t>12/9/2018</a:t>
             </a:fld>
             <a:endParaRPr lang="en-US" dirty="0"/>
           </a:p>
@@ -19739,7 +19739,7 @@
           <a:p>
             <a:fld id="{48A87A34-81AB-432B-8DAE-1953F412C126}" type="datetimeFigureOut">
               <a:rPr lang="en-US" smtClean="0"/>
-              <a:t>9/6/2018</a:t>
+              <a:t>12/9/2018</a:t>
             </a:fld>
             <a:endParaRPr lang="en-US" dirty="0"/>
           </a:p>
@@ -19971,7 +19971,7 @@
           <a:p>
             <a:fld id="{48A87A34-81AB-432B-8DAE-1953F412C126}" type="datetimeFigureOut">
               <a:rPr lang="en-US" dirty="0"/>
-              <a:t>9/6/2018</a:t>
+              <a:t>12/9/2018</a:t>
             </a:fld>
             <a:endParaRPr lang="en-US" dirty="0"/>
           </a:p>
@@ -20347,7 +20347,7 @@
           <a:p>
             <a:fld id="{48A87A34-81AB-432B-8DAE-1953F412C126}" type="datetimeFigureOut">
               <a:rPr lang="en-US" dirty="0"/>
-              <a:t>9/6/2018</a:t>
+              <a:t>12/9/2018</a:t>
             </a:fld>
             <a:endParaRPr lang="en-US" dirty="0"/>
           </a:p>
@@ -20460,7 +20460,7 @@
           <a:p>
             <a:fld id="{48A87A34-81AB-432B-8DAE-1953F412C126}" type="datetimeFigureOut">
               <a:rPr lang="en-US" dirty="0"/>
-              <a:t>9/6/2018</a:t>
+              <a:t>12/9/2018</a:t>
             </a:fld>
             <a:endParaRPr lang="en-US" dirty="0"/>
           </a:p>
@@ -20550,7 +20550,7 @@
           <a:p>
             <a:fld id="{48A87A34-81AB-432B-8DAE-1953F412C126}" type="datetimeFigureOut">
               <a:rPr lang="en-US" dirty="0"/>
-              <a:t>9/6/2018</a:t>
+              <a:t>12/9/2018</a:t>
             </a:fld>
             <a:endParaRPr lang="en-US" dirty="0"/>
           </a:p>
@@ -20794,7 +20794,7 @@
           <a:p>
             <a:fld id="{48A87A34-81AB-432B-8DAE-1953F412C126}" type="datetimeFigureOut">
               <a:rPr lang="en-US" dirty="0"/>
-              <a:t>9/6/2018</a:t>
+              <a:t>12/9/2018</a:t>
             </a:fld>
             <a:endParaRPr lang="en-US" dirty="0"/>
           </a:p>
@@ -21069,7 +21069,7 @@
           <a:p>
             <a:fld id="{48A87A34-81AB-432B-8DAE-1953F412C126}" type="datetimeFigureOut">
               <a:rPr lang="en-US" dirty="0"/>
-              <a:t>9/6/2018</a:t>
+              <a:t>12/9/2018</a:t>
             </a:fld>
             <a:endParaRPr lang="en-US" dirty="0"/>
           </a:p>
@@ -21180,7 +21180,7 @@
           <a:noFill/>
           <a:extLst>
             <a:ext uri="{909E8E84-426E-40dd-AFC4-6F175D3DCCD1}">
-              <a14:hiddenFill xmlns="" xmlns:a14="http://schemas.microsoft.com/office/drawing/2010/main">
+              <a14:hiddenFill xmlns:a14="http://schemas.microsoft.com/office/drawing/2010/main" xmlns="">
                 <a:solidFill>
                   <a:srgbClr val="FFFFFF"/>
                 </a:solidFill>
@@ -21254,7 +21254,7 @@
               </a:ln>
               <a:extLst>
                 <a:ext uri="{91240B29-F687-4f45-9708-019B960494DF}">
-                  <a14:hiddenLine xmlns="" xmlns:a14="http://schemas.microsoft.com/office/drawing/2010/main" w="9525">
+                  <a14:hiddenLine xmlns:a14="http://schemas.microsoft.com/office/drawing/2010/main" xmlns="" w="9525">
                     <a:solidFill>
                       <a:srgbClr val="000000"/>
                     </a:solidFill>
@@ -21344,7 +21344,7 @@
               </a:ln>
               <a:extLst>
                 <a:ext uri="{91240B29-F687-4f45-9708-019B960494DF}">
-                  <a14:hiddenLine xmlns="" xmlns:a14="http://schemas.microsoft.com/office/drawing/2010/main" w="9525">
+                  <a14:hiddenLine xmlns:a14="http://schemas.microsoft.com/office/drawing/2010/main" xmlns="" w="9525">
                     <a:solidFill>
                       <a:srgbClr val="000000"/>
                     </a:solidFill>
@@ -21434,7 +21434,7 @@
               </a:ln>
               <a:extLst>
                 <a:ext uri="{91240B29-F687-4f45-9708-019B960494DF}">
-                  <a14:hiddenLine xmlns="" xmlns:a14="http://schemas.microsoft.com/office/drawing/2010/main" w="9525">
+                  <a14:hiddenLine xmlns:a14="http://schemas.microsoft.com/office/drawing/2010/main" xmlns="" w="9525">
                     <a:solidFill>
                       <a:srgbClr val="000000"/>
                     </a:solidFill>
@@ -21496,7 +21496,7 @@
               </a:ln>
               <a:extLst>
                 <a:ext uri="{91240B29-F687-4f45-9708-019B960494DF}">
-                  <a14:hiddenLine xmlns="" xmlns:a14="http://schemas.microsoft.com/office/drawing/2010/main" w="9525">
+                  <a14:hiddenLine xmlns:a14="http://schemas.microsoft.com/office/drawing/2010/main" xmlns="" w="9525">
                     <a:solidFill>
                       <a:srgbClr val="000000"/>
                     </a:solidFill>
@@ -21586,7 +21586,7 @@
               </a:ln>
               <a:extLst>
                 <a:ext uri="{91240B29-F687-4f45-9708-019B960494DF}">
-                  <a14:hiddenLine xmlns="" xmlns:a14="http://schemas.microsoft.com/office/drawing/2010/main" w="9525">
+                  <a14:hiddenLine xmlns:a14="http://schemas.microsoft.com/office/drawing/2010/main" xmlns="" w="9525">
                     <a:solidFill>
                       <a:srgbClr val="000000"/>
                     </a:solidFill>
@@ -21648,7 +21648,7 @@
               </a:ln>
               <a:extLst>
                 <a:ext uri="{91240B29-F687-4f45-9708-019B960494DF}">
-                  <a14:hiddenLine xmlns="" xmlns:a14="http://schemas.microsoft.com/office/drawing/2010/main" w="9525">
+                  <a14:hiddenLine xmlns:a14="http://schemas.microsoft.com/office/drawing/2010/main" xmlns="" w="9525">
                     <a:solidFill>
                       <a:srgbClr val="000000"/>
                     </a:solidFill>
@@ -21710,7 +21710,7 @@
               </a:ln>
               <a:extLst>
                 <a:ext uri="{91240B29-F687-4f45-9708-019B960494DF}">
-                  <a14:hiddenLine xmlns="" xmlns:a14="http://schemas.microsoft.com/office/drawing/2010/main" w="9525">
+                  <a14:hiddenLine xmlns:a14="http://schemas.microsoft.com/office/drawing/2010/main" xmlns="" w="9525">
                     <a:solidFill>
                       <a:srgbClr val="000000"/>
                     </a:solidFill>
@@ -21800,7 +21800,7 @@
               </a:ln>
               <a:extLst>
                 <a:ext uri="{91240B29-F687-4f45-9708-019B960494DF}">
-                  <a14:hiddenLine xmlns="" xmlns:a14="http://schemas.microsoft.com/office/drawing/2010/main" w="9525">
+                  <a14:hiddenLine xmlns:a14="http://schemas.microsoft.com/office/drawing/2010/main" xmlns="" w="9525">
                     <a:solidFill>
                       <a:srgbClr val="000000"/>
                     </a:solidFill>
@@ -21890,7 +21890,7 @@
               </a:ln>
               <a:extLst>
                 <a:ext uri="{91240B29-F687-4f45-9708-019B960494DF}">
-                  <a14:hiddenLine xmlns="" xmlns:a14="http://schemas.microsoft.com/office/drawing/2010/main" w="9525">
+                  <a14:hiddenLine xmlns:a14="http://schemas.microsoft.com/office/drawing/2010/main" xmlns="" w="9525">
                     <a:solidFill>
                       <a:srgbClr val="000000"/>
                     </a:solidFill>
@@ -21952,7 +21952,7 @@
               </a:ln>
               <a:extLst>
                 <a:ext uri="{91240B29-F687-4f45-9708-019B960494DF}">
-                  <a14:hiddenLine xmlns="" xmlns:a14="http://schemas.microsoft.com/office/drawing/2010/main" w="9525">
+                  <a14:hiddenLine xmlns:a14="http://schemas.microsoft.com/office/drawing/2010/main" xmlns="" w="9525">
                     <a:solidFill>
                       <a:srgbClr val="000000"/>
                     </a:solidFill>
@@ -22062,7 +22062,7 @@
               </a:ln>
               <a:extLst>
                 <a:ext uri="{91240B29-F687-4f45-9708-019B960494DF}">
-                  <a14:hiddenLine xmlns="" xmlns:a14="http://schemas.microsoft.com/office/drawing/2010/main" w="9525">
+                  <a14:hiddenLine xmlns:a14="http://schemas.microsoft.com/office/drawing/2010/main" xmlns="" w="9525">
                     <a:solidFill>
                       <a:srgbClr val="000000"/>
                     </a:solidFill>
@@ -22146,7 +22146,7 @@
               </a:ln>
               <a:extLst>
                 <a:ext uri="{91240B29-F687-4f45-9708-019B960494DF}">
-                  <a14:hiddenLine xmlns="" xmlns:a14="http://schemas.microsoft.com/office/drawing/2010/main" w="9525">
+                  <a14:hiddenLine xmlns:a14="http://schemas.microsoft.com/office/drawing/2010/main" xmlns="" w="9525">
                     <a:solidFill>
                       <a:srgbClr val="000000"/>
                     </a:solidFill>
@@ -22208,7 +22208,7 @@
               </a:ln>
               <a:extLst>
                 <a:ext uri="{91240B29-F687-4f45-9708-019B960494DF}">
-                  <a14:hiddenLine xmlns="" xmlns:a14="http://schemas.microsoft.com/office/drawing/2010/main" w="9525">
+                  <a14:hiddenLine xmlns:a14="http://schemas.microsoft.com/office/drawing/2010/main" xmlns="" w="9525">
                     <a:solidFill>
                       <a:srgbClr val="000000"/>
                     </a:solidFill>
@@ -22270,7 +22270,7 @@
               </a:ln>
               <a:extLst>
                 <a:ext uri="{91240B29-F687-4f45-9708-019B960494DF}">
-                  <a14:hiddenLine xmlns="" xmlns:a14="http://schemas.microsoft.com/office/drawing/2010/main" w="9525">
+                  <a14:hiddenLine xmlns:a14="http://schemas.microsoft.com/office/drawing/2010/main" xmlns="" w="9525">
                     <a:solidFill>
                       <a:srgbClr val="000000"/>
                     </a:solidFill>
@@ -22360,7 +22360,7 @@
               </a:ln>
               <a:extLst>
                 <a:ext uri="{91240B29-F687-4f45-9708-019B960494DF}">
-                  <a14:hiddenLine xmlns="" xmlns:a14="http://schemas.microsoft.com/office/drawing/2010/main" w="9525">
+                  <a14:hiddenLine xmlns:a14="http://schemas.microsoft.com/office/drawing/2010/main" xmlns="" w="9525">
                     <a:solidFill>
                       <a:srgbClr val="000000"/>
                     </a:solidFill>
@@ -22394,7 +22394,7 @@
               </a:ln>
               <a:extLst>
                 <a:ext uri="{91240B29-F687-4f45-9708-019B960494DF}">
-                  <a14:hiddenLine xmlns="" xmlns:a14="http://schemas.microsoft.com/office/drawing/2010/main" w="9525">
+                  <a14:hiddenLine xmlns:a14="http://schemas.microsoft.com/office/drawing/2010/main" xmlns="" w="9525">
                     <a:solidFill>
                       <a:srgbClr val="000000"/>
                     </a:solidFill>
@@ -22459,7 +22459,7 @@
               </a:ln>
               <a:extLst>
                 <a:ext uri="{91240B29-F687-4f45-9708-019B960494DF}">
-                  <a14:hiddenLine xmlns="" xmlns:a14="http://schemas.microsoft.com/office/drawing/2010/main" w="9525">
+                  <a14:hiddenLine xmlns:a14="http://schemas.microsoft.com/office/drawing/2010/main" xmlns="" w="9525">
                     <a:solidFill>
                       <a:srgbClr val="000000"/>
                     </a:solidFill>
@@ -22549,7 +22549,7 @@
               </a:ln>
               <a:extLst>
                 <a:ext uri="{91240B29-F687-4f45-9708-019B960494DF}">
-                  <a14:hiddenLine xmlns="" xmlns:a14="http://schemas.microsoft.com/office/drawing/2010/main" w="9525">
+                  <a14:hiddenLine xmlns:a14="http://schemas.microsoft.com/office/drawing/2010/main" xmlns="" w="9525">
                     <a:solidFill>
                       <a:srgbClr val="000000"/>
                     </a:solidFill>
@@ -22611,7 +22611,7 @@
               </a:ln>
               <a:extLst>
                 <a:ext uri="{91240B29-F687-4f45-9708-019B960494DF}">
-                  <a14:hiddenLine xmlns="" xmlns:a14="http://schemas.microsoft.com/office/drawing/2010/main" w="9525">
+                  <a14:hiddenLine xmlns:a14="http://schemas.microsoft.com/office/drawing/2010/main" xmlns="" w="9525">
                     <a:solidFill>
                       <a:srgbClr val="000000"/>
                     </a:solidFill>
@@ -22701,7 +22701,7 @@
               </a:ln>
               <a:extLst>
                 <a:ext uri="{91240B29-F687-4f45-9708-019B960494DF}">
-                  <a14:hiddenLine xmlns="" xmlns:a14="http://schemas.microsoft.com/office/drawing/2010/main" w="9525">
+                  <a14:hiddenLine xmlns:a14="http://schemas.microsoft.com/office/drawing/2010/main" xmlns="" w="9525">
                     <a:solidFill>
                       <a:srgbClr val="000000"/>
                     </a:solidFill>
@@ -22766,7 +22766,7 @@
               </a:ln>
               <a:extLst>
                 <a:ext uri="{91240B29-F687-4f45-9708-019B960494DF}">
-                  <a14:hiddenLine xmlns="" xmlns:a14="http://schemas.microsoft.com/office/drawing/2010/main" w="9525">
+                  <a14:hiddenLine xmlns:a14="http://schemas.microsoft.com/office/drawing/2010/main" xmlns="" w="9525">
                     <a:solidFill>
                       <a:srgbClr val="000000"/>
                     </a:solidFill>
@@ -22828,7 +22828,7 @@
               </a:ln>
               <a:extLst>
                 <a:ext uri="{91240B29-F687-4f45-9708-019B960494DF}">
-                  <a14:hiddenLine xmlns="" xmlns:a14="http://schemas.microsoft.com/office/drawing/2010/main" w="9525">
+                  <a14:hiddenLine xmlns:a14="http://schemas.microsoft.com/office/drawing/2010/main" xmlns="" w="9525">
                     <a:solidFill>
                       <a:srgbClr val="000000"/>
                     </a:solidFill>
@@ -22918,7 +22918,7 @@
               </a:ln>
               <a:extLst>
                 <a:ext uri="{91240B29-F687-4f45-9708-019B960494DF}">
-                  <a14:hiddenLine xmlns="" xmlns:a14="http://schemas.microsoft.com/office/drawing/2010/main" w="9525">
+                  <a14:hiddenLine xmlns:a14="http://schemas.microsoft.com/office/drawing/2010/main" xmlns="" w="9525">
                     <a:solidFill>
                       <a:srgbClr val="000000"/>
                     </a:solidFill>
@@ -23008,7 +23008,7 @@
               </a:ln>
               <a:extLst>
                 <a:ext uri="{91240B29-F687-4f45-9708-019B960494DF}">
-                  <a14:hiddenLine xmlns="" xmlns:a14="http://schemas.microsoft.com/office/drawing/2010/main" w="9525">
+                  <a14:hiddenLine xmlns:a14="http://schemas.microsoft.com/office/drawing/2010/main" xmlns="" w="9525">
                     <a:solidFill>
                       <a:srgbClr val="000000"/>
                     </a:solidFill>
@@ -23073,7 +23073,7 @@
               </a:ln>
               <a:extLst>
                 <a:ext uri="{91240B29-F687-4f45-9708-019B960494DF}">
-                  <a14:hiddenLine xmlns="" xmlns:a14="http://schemas.microsoft.com/office/drawing/2010/main" w="9525">
+                  <a14:hiddenLine xmlns:a14="http://schemas.microsoft.com/office/drawing/2010/main" xmlns="" w="9525">
                     <a:solidFill>
                       <a:srgbClr val="000000"/>
                     </a:solidFill>
@@ -23193,7 +23193,7 @@
               </a:ln>
               <a:extLst>
                 <a:ext uri="{91240B29-F687-4f45-9708-019B960494DF}">
-                  <a14:hiddenLine xmlns="" xmlns:a14="http://schemas.microsoft.com/office/drawing/2010/main" w="9525">
+                  <a14:hiddenLine xmlns:a14="http://schemas.microsoft.com/office/drawing/2010/main" xmlns="" w="9525">
                     <a:solidFill>
                       <a:srgbClr val="000000"/>
                     </a:solidFill>
@@ -23291,7 +23291,7 @@
               </a:ln>
               <a:extLst>
                 <a:ext uri="{91240B29-F687-4f45-9708-019B960494DF}">
-                  <a14:hiddenLine xmlns="" xmlns:a14="http://schemas.microsoft.com/office/drawing/2010/main" w="9525">
+                  <a14:hiddenLine xmlns:a14="http://schemas.microsoft.com/office/drawing/2010/main" xmlns="" w="9525">
                     <a:solidFill>
                       <a:srgbClr val="000000"/>
                     </a:solidFill>
@@ -23406,7 +23406,7 @@
               </a:ln>
               <a:extLst>
                 <a:ext uri="{91240B29-F687-4f45-9708-019B960494DF}">
-                  <a14:hiddenLine xmlns="" xmlns:a14="http://schemas.microsoft.com/office/drawing/2010/main" w="9525">
+                  <a14:hiddenLine xmlns:a14="http://schemas.microsoft.com/office/drawing/2010/main" xmlns="" w="9525">
                     <a:solidFill>
                       <a:srgbClr val="000000"/>
                     </a:solidFill>
@@ -23496,7 +23496,7 @@
               </a:ln>
               <a:extLst>
                 <a:ext uri="{91240B29-F687-4f45-9708-019B960494DF}">
-                  <a14:hiddenLine xmlns="" xmlns:a14="http://schemas.microsoft.com/office/drawing/2010/main" w="9525">
+                  <a14:hiddenLine xmlns:a14="http://schemas.microsoft.com/office/drawing/2010/main" xmlns="" w="9525">
                     <a:solidFill>
                       <a:srgbClr val="000000"/>
                     </a:solidFill>
@@ -23561,7 +23561,7 @@
               </a:ln>
               <a:extLst>
                 <a:ext uri="{91240B29-F687-4f45-9708-019B960494DF}">
-                  <a14:hiddenLine xmlns="" xmlns:a14="http://schemas.microsoft.com/office/drawing/2010/main" w="9525">
+                  <a14:hiddenLine xmlns:a14="http://schemas.microsoft.com/office/drawing/2010/main" xmlns="" w="9525">
                     <a:solidFill>
                       <a:srgbClr val="000000"/>
                     </a:solidFill>
@@ -23651,7 +23651,7 @@
               </a:ln>
               <a:extLst>
                 <a:ext uri="{91240B29-F687-4f45-9708-019B960494DF}">
-                  <a14:hiddenLine xmlns="" xmlns:a14="http://schemas.microsoft.com/office/drawing/2010/main" w="9525">
+                  <a14:hiddenLine xmlns:a14="http://schemas.microsoft.com/office/drawing/2010/main" xmlns="" w="9525">
                     <a:solidFill>
                       <a:srgbClr val="000000"/>
                     </a:solidFill>
@@ -23719,7 +23719,7 @@
               </a:ln>
               <a:extLst>
                 <a:ext uri="{91240B29-F687-4f45-9708-019B960494DF}">
-                  <a14:hiddenLine xmlns="" xmlns:a14="http://schemas.microsoft.com/office/drawing/2010/main" w="9525">
+                  <a14:hiddenLine xmlns:a14="http://schemas.microsoft.com/office/drawing/2010/main" xmlns="" w="9525">
                     <a:solidFill>
                       <a:srgbClr val="000000"/>
                     </a:solidFill>
@@ -23809,7 +23809,7 @@
               </a:ln>
               <a:extLst>
                 <a:ext uri="{91240B29-F687-4f45-9708-019B960494DF}">
-                  <a14:hiddenLine xmlns="" xmlns:a14="http://schemas.microsoft.com/office/drawing/2010/main" w="9525">
+                  <a14:hiddenLine xmlns:a14="http://schemas.microsoft.com/office/drawing/2010/main" xmlns="" w="9525">
                     <a:solidFill>
                       <a:srgbClr val="000000"/>
                     </a:solidFill>
@@ -23877,7 +23877,7 @@
               </a:ln>
               <a:extLst>
                 <a:ext uri="{91240B29-F687-4f45-9708-019B960494DF}">
-                  <a14:hiddenLine xmlns="" xmlns:a14="http://schemas.microsoft.com/office/drawing/2010/main" w="9525">
+                  <a14:hiddenLine xmlns:a14="http://schemas.microsoft.com/office/drawing/2010/main" xmlns="" w="9525">
                     <a:solidFill>
                       <a:srgbClr val="000000"/>
                     </a:solidFill>
@@ -23967,7 +23967,7 @@
               </a:ln>
               <a:extLst>
                 <a:ext uri="{91240B29-F687-4f45-9708-019B960494DF}">
-                  <a14:hiddenLine xmlns="" xmlns:a14="http://schemas.microsoft.com/office/drawing/2010/main" w="9525">
+                  <a14:hiddenLine xmlns:a14="http://schemas.microsoft.com/office/drawing/2010/main" xmlns="" w="9525">
                     <a:solidFill>
                       <a:srgbClr val="000000"/>
                     </a:solidFill>
@@ -24001,7 +24001,7 @@
               </a:ln>
               <a:extLst>
                 <a:ext uri="{91240B29-F687-4f45-9708-019B960494DF}">
-                  <a14:hiddenLine xmlns="" xmlns:a14="http://schemas.microsoft.com/office/drawing/2010/main" w="9525">
+                  <a14:hiddenLine xmlns:a14="http://schemas.microsoft.com/office/drawing/2010/main" xmlns="" w="9525">
                     <a:solidFill>
                       <a:srgbClr val="000000"/>
                     </a:solidFill>
@@ -24142,7 +24142,7 @@
             <a:fld id="{48A87A34-81AB-432B-8DAE-1953F412C126}" type="datetimeFigureOut">
               <a:rPr lang="en-US" dirty="0"/>
               <a:pPr/>
-              <a:t>9/6/2018</a:t>
+              <a:t>12/9/2018</a:t>
             </a:fld>
             <a:endParaRPr lang="en-US" dirty="0"/>
           </a:p>
@@ -24603,7 +24603,7 @@
           <a:noFill/>
           <a:extLst>
             <a:ext uri="{909E8E84-426E-40dd-AFC4-6F175D3DCCD1}">
-              <a14:hiddenFill xmlns="" xmlns:a14="http://schemas.microsoft.com/office/drawing/2010/main">
+              <a14:hiddenFill xmlns:a14="http://schemas.microsoft.com/office/drawing/2010/main" xmlns="">
                 <a:solidFill>
                   <a:srgbClr val="FFFFFF"/>
                 </a:solidFill>
@@ -24677,7 +24677,7 @@
               </a:ln>
               <a:extLst>
                 <a:ext uri="{91240B29-F687-4f45-9708-019B960494DF}">
-                  <a14:hiddenLine xmlns="" xmlns:a14="http://schemas.microsoft.com/office/drawing/2010/main" w="9525">
+                  <a14:hiddenLine xmlns:a14="http://schemas.microsoft.com/office/drawing/2010/main" xmlns="" w="9525">
                     <a:solidFill>
                       <a:srgbClr val="000000"/>
                     </a:solidFill>
@@ -24767,7 +24767,7 @@
               </a:ln>
               <a:extLst>
                 <a:ext uri="{91240B29-F687-4f45-9708-019B960494DF}">
-                  <a14:hiddenLine xmlns="" xmlns:a14="http://schemas.microsoft.com/office/drawing/2010/main" w="9525">
+                  <a14:hiddenLine xmlns:a14="http://schemas.microsoft.com/office/drawing/2010/main" xmlns="" w="9525">
                     <a:solidFill>
                       <a:srgbClr val="000000"/>
                     </a:solidFill>
@@ -24857,7 +24857,7 @@
               </a:ln>
               <a:extLst>
                 <a:ext uri="{91240B29-F687-4f45-9708-019B960494DF}">
-                  <a14:hiddenLine xmlns="" xmlns:a14="http://schemas.microsoft.com/office/drawing/2010/main" w="9525">
+                  <a14:hiddenLine xmlns:a14="http://schemas.microsoft.com/office/drawing/2010/main" xmlns="" w="9525">
                     <a:solidFill>
                       <a:srgbClr val="000000"/>
                     </a:solidFill>
@@ -24919,7 +24919,7 @@
               </a:ln>
               <a:extLst>
                 <a:ext uri="{91240B29-F687-4f45-9708-019B960494DF}">
-                  <a14:hiddenLine xmlns="" xmlns:a14="http://schemas.microsoft.com/office/drawing/2010/main" w="9525">
+                  <a14:hiddenLine xmlns:a14="http://schemas.microsoft.com/office/drawing/2010/main" xmlns="" w="9525">
                     <a:solidFill>
                       <a:srgbClr val="000000"/>
                     </a:solidFill>
@@ -25009,7 +25009,7 @@
               </a:ln>
               <a:extLst>
                 <a:ext uri="{91240B29-F687-4f45-9708-019B960494DF}">
-                  <a14:hiddenLine xmlns="" xmlns:a14="http://schemas.microsoft.com/office/drawing/2010/main" w="9525">
+                  <a14:hiddenLine xmlns:a14="http://schemas.microsoft.com/office/drawing/2010/main" xmlns="" w="9525">
                     <a:solidFill>
                       <a:srgbClr val="000000"/>
                     </a:solidFill>
@@ -25071,7 +25071,7 @@
               </a:ln>
               <a:extLst>
                 <a:ext uri="{91240B29-F687-4f45-9708-019B960494DF}">
-                  <a14:hiddenLine xmlns="" xmlns:a14="http://schemas.microsoft.com/office/drawing/2010/main" w="9525">
+                  <a14:hiddenLine xmlns:a14="http://schemas.microsoft.com/office/drawing/2010/main" xmlns="" w="9525">
                     <a:solidFill>
                       <a:srgbClr val="000000"/>
                     </a:solidFill>
@@ -25133,7 +25133,7 @@
               </a:ln>
               <a:extLst>
                 <a:ext uri="{91240B29-F687-4f45-9708-019B960494DF}">
-                  <a14:hiddenLine xmlns="" xmlns:a14="http://schemas.microsoft.com/office/drawing/2010/main" w="9525">
+                  <a14:hiddenLine xmlns:a14="http://schemas.microsoft.com/office/drawing/2010/main" xmlns="" w="9525">
                     <a:solidFill>
                       <a:srgbClr val="000000"/>
                     </a:solidFill>
@@ -25223,7 +25223,7 @@
               </a:ln>
               <a:extLst>
                 <a:ext uri="{91240B29-F687-4f45-9708-019B960494DF}">
-                  <a14:hiddenLine xmlns="" xmlns:a14="http://schemas.microsoft.com/office/drawing/2010/main" w="9525">
+                  <a14:hiddenLine xmlns:a14="http://schemas.microsoft.com/office/drawing/2010/main" xmlns="" w="9525">
                     <a:solidFill>
                       <a:srgbClr val="000000"/>
                     </a:solidFill>
@@ -25313,7 +25313,7 @@
               </a:ln>
               <a:extLst>
                 <a:ext uri="{91240B29-F687-4f45-9708-019B960494DF}">
-                  <a14:hiddenLine xmlns="" xmlns:a14="http://schemas.microsoft.com/office/drawing/2010/main" w="9525">
+                  <a14:hiddenLine xmlns:a14="http://schemas.microsoft.com/office/drawing/2010/main" xmlns="" w="9525">
                     <a:solidFill>
                       <a:srgbClr val="000000"/>
                     </a:solidFill>
@@ -25375,7 +25375,7 @@
               </a:ln>
               <a:extLst>
                 <a:ext uri="{91240B29-F687-4f45-9708-019B960494DF}">
-                  <a14:hiddenLine xmlns="" xmlns:a14="http://schemas.microsoft.com/office/drawing/2010/main" w="9525">
+                  <a14:hiddenLine xmlns:a14="http://schemas.microsoft.com/office/drawing/2010/main" xmlns="" w="9525">
                     <a:solidFill>
                       <a:srgbClr val="000000"/>
                     </a:solidFill>
@@ -25485,7 +25485,7 @@
               </a:ln>
               <a:extLst>
                 <a:ext uri="{91240B29-F687-4f45-9708-019B960494DF}">
-                  <a14:hiddenLine xmlns="" xmlns:a14="http://schemas.microsoft.com/office/drawing/2010/main" w="9525">
+                  <a14:hiddenLine xmlns:a14="http://schemas.microsoft.com/office/drawing/2010/main" xmlns="" w="9525">
                     <a:solidFill>
                       <a:srgbClr val="000000"/>
                     </a:solidFill>
@@ -25569,7 +25569,7 @@
               </a:ln>
               <a:extLst>
                 <a:ext uri="{91240B29-F687-4f45-9708-019B960494DF}">
-                  <a14:hiddenLine xmlns="" xmlns:a14="http://schemas.microsoft.com/office/drawing/2010/main" w="9525">
+                  <a14:hiddenLine xmlns:a14="http://schemas.microsoft.com/office/drawing/2010/main" xmlns="" w="9525">
                     <a:solidFill>
                       <a:srgbClr val="000000"/>
                     </a:solidFill>
@@ -25631,7 +25631,7 @@
               </a:ln>
               <a:extLst>
                 <a:ext uri="{91240B29-F687-4f45-9708-019B960494DF}">
-                  <a14:hiddenLine xmlns="" xmlns:a14="http://schemas.microsoft.com/office/drawing/2010/main" w="9525">
+                  <a14:hiddenLine xmlns:a14="http://schemas.microsoft.com/office/drawing/2010/main" xmlns="" w="9525">
                     <a:solidFill>
                       <a:srgbClr val="000000"/>
                     </a:solidFill>
@@ -25693,7 +25693,7 @@
               </a:ln>
               <a:extLst>
                 <a:ext uri="{91240B29-F687-4f45-9708-019B960494DF}">
-                  <a14:hiddenLine xmlns="" xmlns:a14="http://schemas.microsoft.com/office/drawing/2010/main" w="9525">
+                  <a14:hiddenLine xmlns:a14="http://schemas.microsoft.com/office/drawing/2010/main" xmlns="" w="9525">
                     <a:solidFill>
                       <a:srgbClr val="000000"/>
                     </a:solidFill>
@@ -25783,7 +25783,7 @@
               </a:ln>
               <a:extLst>
                 <a:ext uri="{91240B29-F687-4f45-9708-019B960494DF}">
-                  <a14:hiddenLine xmlns="" xmlns:a14="http://schemas.microsoft.com/office/drawing/2010/main" w="9525">
+                  <a14:hiddenLine xmlns:a14="http://schemas.microsoft.com/office/drawing/2010/main" xmlns="" w="9525">
                     <a:solidFill>
                       <a:srgbClr val="000000"/>
                     </a:solidFill>
@@ -25817,7 +25817,7 @@
               </a:ln>
               <a:extLst>
                 <a:ext uri="{91240B29-F687-4f45-9708-019B960494DF}">
-                  <a14:hiddenLine xmlns="" xmlns:a14="http://schemas.microsoft.com/office/drawing/2010/main" w="9525">
+                  <a14:hiddenLine xmlns:a14="http://schemas.microsoft.com/office/drawing/2010/main" xmlns="" w="9525">
                     <a:solidFill>
                       <a:srgbClr val="000000"/>
                     </a:solidFill>
@@ -25882,7 +25882,7 @@
               </a:ln>
               <a:extLst>
                 <a:ext uri="{91240B29-F687-4f45-9708-019B960494DF}">
-                  <a14:hiddenLine xmlns="" xmlns:a14="http://schemas.microsoft.com/office/drawing/2010/main" w="9525">
+                  <a14:hiddenLine xmlns:a14="http://schemas.microsoft.com/office/drawing/2010/main" xmlns="" w="9525">
                     <a:solidFill>
                       <a:srgbClr val="000000"/>
                     </a:solidFill>
@@ -25972,7 +25972,7 @@
               </a:ln>
               <a:extLst>
                 <a:ext uri="{91240B29-F687-4f45-9708-019B960494DF}">
-                  <a14:hiddenLine xmlns="" xmlns:a14="http://schemas.microsoft.com/office/drawing/2010/main" w="9525">
+                  <a14:hiddenLine xmlns:a14="http://schemas.microsoft.com/office/drawing/2010/main" xmlns="" w="9525">
                     <a:solidFill>
                       <a:srgbClr val="000000"/>
                     </a:solidFill>
@@ -26034,7 +26034,7 @@
               </a:ln>
               <a:extLst>
                 <a:ext uri="{91240B29-F687-4f45-9708-019B960494DF}">
-                  <a14:hiddenLine xmlns="" xmlns:a14="http://schemas.microsoft.com/office/drawing/2010/main" w="9525">
+                  <a14:hiddenLine xmlns:a14="http://schemas.microsoft.com/office/drawing/2010/main" xmlns="" w="9525">
                     <a:solidFill>
                       <a:srgbClr val="000000"/>
                     </a:solidFill>
@@ -26124,7 +26124,7 @@
               </a:ln>
               <a:extLst>
                 <a:ext uri="{91240B29-F687-4f45-9708-019B960494DF}">
-                  <a14:hiddenLine xmlns="" xmlns:a14="http://schemas.microsoft.com/office/drawing/2010/main" w="9525">
+                  <a14:hiddenLine xmlns:a14="http://schemas.microsoft.com/office/drawing/2010/main" xmlns="" w="9525">
                     <a:solidFill>
                       <a:srgbClr val="000000"/>
                     </a:solidFill>
@@ -26189,7 +26189,7 @@
               </a:ln>
               <a:extLst>
                 <a:ext uri="{91240B29-F687-4f45-9708-019B960494DF}">
-                  <a14:hiddenLine xmlns="" xmlns:a14="http://schemas.microsoft.com/office/drawing/2010/main" w="9525">
+                  <a14:hiddenLine xmlns:a14="http://schemas.microsoft.com/office/drawing/2010/main" xmlns="" w="9525">
                     <a:solidFill>
                       <a:srgbClr val="000000"/>
                     </a:solidFill>
@@ -26251,7 +26251,7 @@
               </a:ln>
               <a:extLst>
                 <a:ext uri="{91240B29-F687-4f45-9708-019B960494DF}">
-                  <a14:hiddenLine xmlns="" xmlns:a14="http://schemas.microsoft.com/office/drawing/2010/main" w="9525">
+                  <a14:hiddenLine xmlns:a14="http://schemas.microsoft.com/office/drawing/2010/main" xmlns="" w="9525">
                     <a:solidFill>
                       <a:srgbClr val="000000"/>
                     </a:solidFill>
@@ -26341,7 +26341,7 @@
               </a:ln>
               <a:extLst>
                 <a:ext uri="{91240B29-F687-4f45-9708-019B960494DF}">
-                  <a14:hiddenLine xmlns="" xmlns:a14="http://schemas.microsoft.com/office/drawing/2010/main" w="9525">
+                  <a14:hiddenLine xmlns:a14="http://schemas.microsoft.com/office/drawing/2010/main" xmlns="" w="9525">
                     <a:solidFill>
                       <a:srgbClr val="000000"/>
                     </a:solidFill>
@@ -26431,7 +26431,7 @@
               </a:ln>
               <a:extLst>
                 <a:ext uri="{91240B29-F687-4f45-9708-019B960494DF}">
-                  <a14:hiddenLine xmlns="" xmlns:a14="http://schemas.microsoft.com/office/drawing/2010/main" w="9525">
+                  <a14:hiddenLine xmlns:a14="http://schemas.microsoft.com/office/drawing/2010/main" xmlns="" w="9525">
                     <a:solidFill>
                       <a:srgbClr val="000000"/>
                     </a:solidFill>
@@ -26496,7 +26496,7 @@
               </a:ln>
               <a:extLst>
                 <a:ext uri="{91240B29-F687-4f45-9708-019B960494DF}">
-                  <a14:hiddenLine xmlns="" xmlns:a14="http://schemas.microsoft.com/office/drawing/2010/main" w="9525">
+                  <a14:hiddenLine xmlns:a14="http://schemas.microsoft.com/office/drawing/2010/main" xmlns="" w="9525">
                     <a:solidFill>
                       <a:srgbClr val="000000"/>
                     </a:solidFill>
@@ -26616,7 +26616,7 @@
               </a:ln>
               <a:extLst>
                 <a:ext uri="{91240B29-F687-4f45-9708-019B960494DF}">
-                  <a14:hiddenLine xmlns="" xmlns:a14="http://schemas.microsoft.com/office/drawing/2010/main" w="9525">
+                  <a14:hiddenLine xmlns:a14="http://schemas.microsoft.com/office/drawing/2010/main" xmlns="" w="9525">
                     <a:solidFill>
                       <a:srgbClr val="000000"/>
                     </a:solidFill>
@@ -26697,7 +26697,7 @@
               </a:ln>
               <a:extLst>
                 <a:ext uri="{91240B29-F687-4f45-9708-019B960494DF}">
-                  <a14:hiddenLine xmlns="" xmlns:a14="http://schemas.microsoft.com/office/drawing/2010/main" w="9525">
+                  <a14:hiddenLine xmlns:a14="http://schemas.microsoft.com/office/drawing/2010/main" xmlns="" w="9525">
                     <a:solidFill>
                       <a:srgbClr val="000000"/>
                     </a:solidFill>
@@ -26812,7 +26812,7 @@
               </a:ln>
               <a:extLst>
                 <a:ext uri="{91240B29-F687-4f45-9708-019B960494DF}">
-                  <a14:hiddenLine xmlns="" xmlns:a14="http://schemas.microsoft.com/office/drawing/2010/main" w="9525">
+                  <a14:hiddenLine xmlns:a14="http://schemas.microsoft.com/office/drawing/2010/main" xmlns="" w="9525">
                     <a:solidFill>
                       <a:srgbClr val="000000"/>
                     </a:solidFill>
@@ -26902,7 +26902,7 @@
               </a:ln>
               <a:extLst>
                 <a:ext uri="{91240B29-F687-4f45-9708-019B960494DF}">
-                  <a14:hiddenLine xmlns="" xmlns:a14="http://schemas.microsoft.com/office/drawing/2010/main" w="9525">
+                  <a14:hiddenLine xmlns:a14="http://schemas.microsoft.com/office/drawing/2010/main" xmlns="" w="9525">
                     <a:solidFill>
                       <a:srgbClr val="000000"/>
                     </a:solidFill>
@@ -26967,7 +26967,7 @@
               </a:ln>
               <a:extLst>
                 <a:ext uri="{91240B29-F687-4f45-9708-019B960494DF}">
-                  <a14:hiddenLine xmlns="" xmlns:a14="http://schemas.microsoft.com/office/drawing/2010/main" w="9525">
+                  <a14:hiddenLine xmlns:a14="http://schemas.microsoft.com/office/drawing/2010/main" xmlns="" w="9525">
                     <a:solidFill>
                       <a:srgbClr val="000000"/>
                     </a:solidFill>
@@ -27057,7 +27057,7 @@
               </a:ln>
               <a:extLst>
                 <a:ext uri="{91240B29-F687-4f45-9708-019B960494DF}">
-                  <a14:hiddenLine xmlns="" xmlns:a14="http://schemas.microsoft.com/office/drawing/2010/main" w="9525">
+                  <a14:hiddenLine xmlns:a14="http://schemas.microsoft.com/office/drawing/2010/main" xmlns="" w="9525">
                     <a:solidFill>
                       <a:srgbClr val="000000"/>
                     </a:solidFill>
@@ -27125,7 +27125,7 @@
               </a:ln>
               <a:extLst>
                 <a:ext uri="{91240B29-F687-4f45-9708-019B960494DF}">
-                  <a14:hiddenLine xmlns="" xmlns:a14="http://schemas.microsoft.com/office/drawing/2010/main" w="9525">
+                  <a14:hiddenLine xmlns:a14="http://schemas.microsoft.com/office/drawing/2010/main" xmlns="" w="9525">
                     <a:solidFill>
                       <a:srgbClr val="000000"/>
                     </a:solidFill>
@@ -27215,7 +27215,7 @@
               </a:ln>
               <a:extLst>
                 <a:ext uri="{91240B29-F687-4f45-9708-019B960494DF}">
-                  <a14:hiddenLine xmlns="" xmlns:a14="http://schemas.microsoft.com/office/drawing/2010/main" w="9525">
+                  <a14:hiddenLine xmlns:a14="http://schemas.microsoft.com/office/drawing/2010/main" xmlns="" w="9525">
                     <a:solidFill>
                       <a:srgbClr val="000000"/>
                     </a:solidFill>
@@ -27283,7 +27283,7 @@
               </a:ln>
               <a:extLst>
                 <a:ext uri="{91240B29-F687-4f45-9708-019B960494DF}">
-                  <a14:hiddenLine xmlns="" xmlns:a14="http://schemas.microsoft.com/office/drawing/2010/main" w="9525">
+                  <a14:hiddenLine xmlns:a14="http://schemas.microsoft.com/office/drawing/2010/main" xmlns="" w="9525">
                     <a:solidFill>
                       <a:srgbClr val="000000"/>
                     </a:solidFill>
@@ -27373,7 +27373,7 @@
               </a:ln>
               <a:extLst>
                 <a:ext uri="{91240B29-F687-4f45-9708-019B960494DF}">
-                  <a14:hiddenLine xmlns="" xmlns:a14="http://schemas.microsoft.com/office/drawing/2010/main" w="9525">
+                  <a14:hiddenLine xmlns:a14="http://schemas.microsoft.com/office/drawing/2010/main" xmlns="" w="9525">
                     <a:solidFill>
                       <a:srgbClr val="000000"/>
                     </a:solidFill>
@@ -27407,7 +27407,7 @@
               </a:ln>
               <a:extLst>
                 <a:ext uri="{91240B29-F687-4f45-9708-019B960494DF}">
-                  <a14:hiddenLine xmlns="" xmlns:a14="http://schemas.microsoft.com/office/drawing/2010/main" w="9525">
+                  <a14:hiddenLine xmlns:a14="http://schemas.microsoft.com/office/drawing/2010/main" xmlns="" w="9525">
                     <a:solidFill>
                       <a:srgbClr val="000000"/>
                     </a:solidFill>
@@ -27548,7 +27548,7 @@
             <a:fld id="{48A87A34-81AB-432B-8DAE-1953F412C126}" type="datetimeFigureOut">
               <a:rPr lang="en-US" smtClean="0"/>
               <a:pPr/>
-              <a:t>9/6/2018</a:t>
+              <a:t>12/9/2018</a:t>
             </a:fld>
             <a:endParaRPr lang="en-US" dirty="0"/>
           </a:p>
@@ -28138,7 +28138,7 @@
             <a:noFill/>
             <a:extLst>
               <a:ext uri="{909E8E84-426E-40dd-AFC4-6F175D3DCCD1}">
-                <a14:hiddenFill xmlns:a14="http://schemas.microsoft.com/office/drawing/2010/main" xmlns:p14="http://schemas.microsoft.com/office/powerpoint/2010/main" xmlns:a16="http://schemas.microsoft.com/office/drawing/2014/main" xmlns="">
+                <a14:hiddenFill xmlns="" xmlns:a16="http://schemas.microsoft.com/office/drawing/2014/main" xmlns:p14="http://schemas.microsoft.com/office/powerpoint/2010/main" xmlns:a14="http://schemas.microsoft.com/office/drawing/2010/main">
                   <a:solidFill>
                     <a:srgbClr val="FFFFFF"/>
                   </a:solidFill>
@@ -30322,13 +30322,13 @@
   <p:clrMapOvr>
     <a:masterClrMapping/>
   </p:clrMapOvr>
-  <mc:AlternateContent xmlns:mc="http://schemas.openxmlformats.org/markup-compatibility/2006">
-    <mc:Choice xmlns:p14="http://schemas.microsoft.com/office/powerpoint/2010/main" Requires="p14">
+  <mc:AlternateContent xmlns:mc="http://schemas.openxmlformats.org/markup-compatibility/2006" xmlns:p14="http://schemas.microsoft.com/office/powerpoint/2010/main">
+    <mc:Choice Requires="p14">
       <p:transition spd="slow" p14:dur="1500">
         <p14:window dir="vert"/>
       </p:transition>
     </mc:Choice>
-    <mc:Fallback>
+    <mc:Fallback xmlns="">
       <p:transition spd="slow">
         <p:fade/>
       </p:transition>
@@ -30703,7 +30703,7 @@
             <a:noFill/>
             <a:extLst>
               <a:ext uri="{909E8E84-426E-40dd-AFC4-6F175D3DCCD1}">
-                <a14:hiddenFill xmlns:a14="http://schemas.microsoft.com/office/drawing/2010/main" xmlns:p14="http://schemas.microsoft.com/office/powerpoint/2010/main" xmlns:a16="http://schemas.microsoft.com/office/drawing/2014/main" xmlns="">
+                <a14:hiddenFill xmlns="" xmlns:a16="http://schemas.microsoft.com/office/drawing/2014/main" xmlns:p14="http://schemas.microsoft.com/office/powerpoint/2010/main" xmlns:a14="http://schemas.microsoft.com/office/drawing/2010/main">
                   <a:solidFill>
                     <a:srgbClr val="FFFFFF"/>
                   </a:solidFill>
@@ -32801,13 +32801,13 @@
   <p:clrMapOvr>
     <a:masterClrMapping/>
   </p:clrMapOvr>
-  <mc:AlternateContent xmlns:mc="http://schemas.openxmlformats.org/markup-compatibility/2006">
-    <mc:Choice xmlns:p14="http://schemas.microsoft.com/office/powerpoint/2010/main" Requires="p14">
+  <mc:AlternateContent xmlns:mc="http://schemas.openxmlformats.org/markup-compatibility/2006" xmlns:p14="http://schemas.microsoft.com/office/powerpoint/2010/main">
+    <mc:Choice Requires="p14">
       <p:transition spd="slow" p14:dur="900">
         <p14:warp dir="in"/>
       </p:transition>
     </mc:Choice>
-    <mc:Fallback>
+    <mc:Fallback xmlns="">
       <p:transition spd="slow">
         <p:fade/>
       </p:transition>
@@ -33002,7 +33002,7 @@
             <a:noFill/>
             <a:extLst>
               <a:ext uri="{909E8E84-426E-40dd-AFC4-6F175D3DCCD1}">
-                <a14:hiddenFill xmlns:p14="http://schemas.microsoft.com/office/powerpoint/2010/main" xmlns:a14="http://schemas.microsoft.com/office/drawing/2010/main" xmlns:a16="http://schemas.microsoft.com/office/drawing/2014/main" xmlns="">
+                <a14:hiddenFill xmlns="" xmlns:a16="http://schemas.microsoft.com/office/drawing/2014/main" xmlns:a14="http://schemas.microsoft.com/office/drawing/2010/main" xmlns:p14="http://schemas.microsoft.com/office/powerpoint/2010/main">
                   <a:solidFill>
                     <a:srgbClr val="FFFFFF"/>
                   </a:solidFill>
@@ -35456,7 +35456,7 @@
           </a:prstGeom>
           <a:extLst>
             <a:ext uri="{909E8E84-426E-40dd-AFC4-6F175D3DCCD1}">
-              <a14:hiddenFill xmlns:p14="http://schemas.microsoft.com/office/powerpoint/2010/main" xmlns:a14="http://schemas.microsoft.com/office/drawing/2010/main" xmlns:a16="http://schemas.microsoft.com/office/drawing/2014/main" xmlns="">
+              <a14:hiddenFill xmlns="" xmlns:a16="http://schemas.microsoft.com/office/drawing/2014/main" xmlns:a14="http://schemas.microsoft.com/office/drawing/2010/main" xmlns:p14="http://schemas.microsoft.com/office/powerpoint/2010/main">
                 <a:solidFill>
                   <a:srgbClr val="FFFFFF"/>
                 </a:solidFill>
@@ -35580,7 +35580,7 @@
           <a:noFill/>
           <a:extLst>
             <a:ext uri="{909E8E84-426E-40dd-AFC4-6F175D3DCCD1}">
-              <a14:hiddenFill xmlns:p14="http://schemas.microsoft.com/office/powerpoint/2010/main" xmlns:a14="http://schemas.microsoft.com/office/drawing/2010/main" xmlns:a16="http://schemas.microsoft.com/office/drawing/2014/main" xmlns="">
+              <a14:hiddenFill xmlns="" xmlns:a16="http://schemas.microsoft.com/office/drawing/2014/main" xmlns:a14="http://schemas.microsoft.com/office/drawing/2010/main" xmlns:p14="http://schemas.microsoft.com/office/powerpoint/2010/main">
                 <a:solidFill>
                   <a:srgbClr val="FFFFFF"/>
                 </a:solidFill>
@@ -35672,7 +35672,7 @@
             </a:ln>
             <a:extLst>
               <a:ext uri="{91240B29-F687-4f45-9708-019B960494DF}">
-                <a14:hiddenLine xmlns:p14="http://schemas.microsoft.com/office/powerpoint/2010/main" xmlns:a14="http://schemas.microsoft.com/office/drawing/2010/main" xmlns:a16="http://schemas.microsoft.com/office/drawing/2014/main" xmlns="" w="9525">
+                <a14:hiddenLine xmlns="" xmlns:a16="http://schemas.microsoft.com/office/drawing/2014/main" xmlns:a14="http://schemas.microsoft.com/office/drawing/2010/main" xmlns:p14="http://schemas.microsoft.com/office/powerpoint/2010/main" w="9525">
                   <a:solidFill>
                     <a:srgbClr val="000000"/>
                   </a:solidFill>
@@ -35777,7 +35777,7 @@
             </a:ln>
             <a:extLst>
               <a:ext uri="{91240B29-F687-4f45-9708-019B960494DF}">
-                <a14:hiddenLine xmlns:p14="http://schemas.microsoft.com/office/powerpoint/2010/main" xmlns:a14="http://schemas.microsoft.com/office/drawing/2010/main" xmlns:a16="http://schemas.microsoft.com/office/drawing/2014/main" xmlns="" w="9525">
+                <a14:hiddenLine xmlns="" xmlns:a16="http://schemas.microsoft.com/office/drawing/2014/main" xmlns:a14="http://schemas.microsoft.com/office/drawing/2010/main" xmlns:p14="http://schemas.microsoft.com/office/powerpoint/2010/main" w="9525">
                   <a:solidFill>
                     <a:srgbClr val="000000"/>
                   </a:solidFill>
@@ -35882,7 +35882,7 @@
             </a:ln>
             <a:extLst>
               <a:ext uri="{91240B29-F687-4f45-9708-019B960494DF}">
-                <a14:hiddenLine xmlns:p14="http://schemas.microsoft.com/office/powerpoint/2010/main" xmlns:a14="http://schemas.microsoft.com/office/drawing/2010/main" xmlns:a16="http://schemas.microsoft.com/office/drawing/2014/main" xmlns="" w="9525">
+                <a14:hiddenLine xmlns="" xmlns:a16="http://schemas.microsoft.com/office/drawing/2014/main" xmlns:a14="http://schemas.microsoft.com/office/drawing/2010/main" xmlns:p14="http://schemas.microsoft.com/office/powerpoint/2010/main" w="9525">
                   <a:solidFill>
                     <a:srgbClr val="000000"/>
                   </a:solidFill>
@@ -35959,7 +35959,7 @@
             </a:ln>
             <a:extLst>
               <a:ext uri="{91240B29-F687-4f45-9708-019B960494DF}">
-                <a14:hiddenLine xmlns:p14="http://schemas.microsoft.com/office/powerpoint/2010/main" xmlns:a14="http://schemas.microsoft.com/office/drawing/2010/main" xmlns:a16="http://schemas.microsoft.com/office/drawing/2014/main" xmlns="" w="9525">
+                <a14:hiddenLine xmlns="" xmlns:a16="http://schemas.microsoft.com/office/drawing/2014/main" xmlns:a14="http://schemas.microsoft.com/office/drawing/2010/main" xmlns:p14="http://schemas.microsoft.com/office/powerpoint/2010/main" w="9525">
                   <a:solidFill>
                     <a:srgbClr val="000000"/>
                   </a:solidFill>
@@ -36064,7 +36064,7 @@
             </a:ln>
             <a:extLst>
               <a:ext uri="{91240B29-F687-4f45-9708-019B960494DF}">
-                <a14:hiddenLine xmlns:p14="http://schemas.microsoft.com/office/powerpoint/2010/main" xmlns:a14="http://schemas.microsoft.com/office/drawing/2010/main" xmlns:a16="http://schemas.microsoft.com/office/drawing/2014/main" xmlns="" w="9525">
+                <a14:hiddenLine xmlns="" xmlns:a16="http://schemas.microsoft.com/office/drawing/2014/main" xmlns:a14="http://schemas.microsoft.com/office/drawing/2010/main" xmlns:p14="http://schemas.microsoft.com/office/powerpoint/2010/main" w="9525">
                   <a:solidFill>
                     <a:srgbClr val="000000"/>
                   </a:solidFill>
@@ -36141,7 +36141,7 @@
             </a:ln>
             <a:extLst>
               <a:ext uri="{91240B29-F687-4f45-9708-019B960494DF}">
-                <a14:hiddenLine xmlns:p14="http://schemas.microsoft.com/office/powerpoint/2010/main" xmlns:a14="http://schemas.microsoft.com/office/drawing/2010/main" xmlns:a16="http://schemas.microsoft.com/office/drawing/2014/main" xmlns="" w="9525">
+                <a14:hiddenLine xmlns="" xmlns:a16="http://schemas.microsoft.com/office/drawing/2014/main" xmlns:a14="http://schemas.microsoft.com/office/drawing/2010/main" xmlns:p14="http://schemas.microsoft.com/office/powerpoint/2010/main" w="9525">
                   <a:solidFill>
                     <a:srgbClr val="000000"/>
                   </a:solidFill>
@@ -36218,7 +36218,7 @@
             </a:ln>
             <a:extLst>
               <a:ext uri="{91240B29-F687-4f45-9708-019B960494DF}">
-                <a14:hiddenLine xmlns:p14="http://schemas.microsoft.com/office/powerpoint/2010/main" xmlns:a14="http://schemas.microsoft.com/office/drawing/2010/main" xmlns:a16="http://schemas.microsoft.com/office/drawing/2014/main" xmlns="" w="9525">
+                <a14:hiddenLine xmlns="" xmlns:a16="http://schemas.microsoft.com/office/drawing/2014/main" xmlns:a14="http://schemas.microsoft.com/office/drawing/2010/main" xmlns:p14="http://schemas.microsoft.com/office/powerpoint/2010/main" w="9525">
                   <a:solidFill>
                     <a:srgbClr val="000000"/>
                   </a:solidFill>
@@ -36323,7 +36323,7 @@
             </a:ln>
             <a:extLst>
               <a:ext uri="{91240B29-F687-4f45-9708-019B960494DF}">
-                <a14:hiddenLine xmlns:p14="http://schemas.microsoft.com/office/powerpoint/2010/main" xmlns:a14="http://schemas.microsoft.com/office/drawing/2010/main" xmlns:a16="http://schemas.microsoft.com/office/drawing/2014/main" xmlns="" w="9525">
+                <a14:hiddenLine xmlns="" xmlns:a16="http://schemas.microsoft.com/office/drawing/2014/main" xmlns:a14="http://schemas.microsoft.com/office/drawing/2010/main" xmlns:p14="http://schemas.microsoft.com/office/powerpoint/2010/main" w="9525">
                   <a:solidFill>
                     <a:srgbClr val="000000"/>
                   </a:solidFill>
@@ -36428,7 +36428,7 @@
             </a:ln>
             <a:extLst>
               <a:ext uri="{91240B29-F687-4f45-9708-019B960494DF}">
-                <a14:hiddenLine xmlns:p14="http://schemas.microsoft.com/office/powerpoint/2010/main" xmlns:a14="http://schemas.microsoft.com/office/drawing/2010/main" xmlns:a16="http://schemas.microsoft.com/office/drawing/2014/main" xmlns="" w="9525">
+                <a14:hiddenLine xmlns="" xmlns:a16="http://schemas.microsoft.com/office/drawing/2014/main" xmlns:a14="http://schemas.microsoft.com/office/drawing/2010/main" xmlns:p14="http://schemas.microsoft.com/office/powerpoint/2010/main" w="9525">
                   <a:solidFill>
                     <a:srgbClr val="000000"/>
                   </a:solidFill>
@@ -36505,7 +36505,7 @@
             </a:ln>
             <a:extLst>
               <a:ext uri="{91240B29-F687-4f45-9708-019B960494DF}">
-                <a14:hiddenLine xmlns:p14="http://schemas.microsoft.com/office/powerpoint/2010/main" xmlns:a14="http://schemas.microsoft.com/office/drawing/2010/main" xmlns:a16="http://schemas.microsoft.com/office/drawing/2014/main" xmlns="" w="9525">
+                <a14:hiddenLine xmlns="" xmlns:a16="http://schemas.microsoft.com/office/drawing/2014/main" xmlns:a14="http://schemas.microsoft.com/office/drawing/2010/main" xmlns:p14="http://schemas.microsoft.com/office/powerpoint/2010/main" w="9525">
                   <a:solidFill>
                     <a:srgbClr val="000000"/>
                   </a:solidFill>
@@ -36630,7 +36630,7 @@
             </a:ln>
             <a:extLst>
               <a:ext uri="{91240B29-F687-4f45-9708-019B960494DF}">
-                <a14:hiddenLine xmlns:p14="http://schemas.microsoft.com/office/powerpoint/2010/main" xmlns:a14="http://schemas.microsoft.com/office/drawing/2010/main" xmlns:a16="http://schemas.microsoft.com/office/drawing/2014/main" xmlns="" w="9525">
+                <a14:hiddenLine xmlns="" xmlns:a16="http://schemas.microsoft.com/office/drawing/2014/main" xmlns:a14="http://schemas.microsoft.com/office/drawing/2010/main" xmlns:p14="http://schemas.microsoft.com/office/powerpoint/2010/main" w="9525">
                   <a:solidFill>
                     <a:srgbClr val="000000"/>
                   </a:solidFill>
@@ -36744,7 +36744,7 @@
             </a:ln>
             <a:extLst>
               <a:ext uri="{91240B29-F687-4f45-9708-019B960494DF}">
-                <a14:hiddenLine xmlns:p14="http://schemas.microsoft.com/office/powerpoint/2010/main" xmlns:a14="http://schemas.microsoft.com/office/drawing/2010/main" xmlns:a16="http://schemas.microsoft.com/office/drawing/2014/main" xmlns="" w="9525">
+                <a14:hiddenLine xmlns="" xmlns:a16="http://schemas.microsoft.com/office/drawing/2014/main" xmlns:a14="http://schemas.microsoft.com/office/drawing/2010/main" xmlns:p14="http://schemas.microsoft.com/office/powerpoint/2010/main" w="9525">
                   <a:solidFill>
                     <a:srgbClr val="000000"/>
                   </a:solidFill>
@@ -36821,7 +36821,7 @@
             </a:ln>
             <a:extLst>
               <a:ext uri="{91240B29-F687-4f45-9708-019B960494DF}">
-                <a14:hiddenLine xmlns:p14="http://schemas.microsoft.com/office/powerpoint/2010/main" xmlns:a14="http://schemas.microsoft.com/office/drawing/2010/main" xmlns:a16="http://schemas.microsoft.com/office/drawing/2014/main" xmlns="" w="9525">
+                <a14:hiddenLine xmlns="" xmlns:a16="http://schemas.microsoft.com/office/drawing/2014/main" xmlns:a14="http://schemas.microsoft.com/office/drawing/2010/main" xmlns:p14="http://schemas.microsoft.com/office/powerpoint/2010/main" w="9525">
                   <a:solidFill>
                     <a:srgbClr val="000000"/>
                   </a:solidFill>
@@ -36898,7 +36898,7 @@
             </a:ln>
             <a:extLst>
               <a:ext uri="{91240B29-F687-4f45-9708-019B960494DF}">
-                <a14:hiddenLine xmlns:p14="http://schemas.microsoft.com/office/powerpoint/2010/main" xmlns:a14="http://schemas.microsoft.com/office/drawing/2010/main" xmlns:a16="http://schemas.microsoft.com/office/drawing/2014/main" xmlns="" w="9525">
+                <a14:hiddenLine xmlns="" xmlns:a16="http://schemas.microsoft.com/office/drawing/2014/main" xmlns:a14="http://schemas.microsoft.com/office/drawing/2010/main" xmlns:p14="http://schemas.microsoft.com/office/powerpoint/2010/main" w="9525">
                   <a:solidFill>
                     <a:srgbClr val="000000"/>
                   </a:solidFill>
@@ -37003,7 +37003,7 @@
             </a:ln>
             <a:extLst>
               <a:ext uri="{91240B29-F687-4f45-9708-019B960494DF}">
-                <a14:hiddenLine xmlns:p14="http://schemas.microsoft.com/office/powerpoint/2010/main" xmlns:a14="http://schemas.microsoft.com/office/drawing/2010/main" xmlns:a16="http://schemas.microsoft.com/office/drawing/2014/main" xmlns="" w="9525">
+                <a14:hiddenLine xmlns="" xmlns:a16="http://schemas.microsoft.com/office/drawing/2014/main" xmlns:a14="http://schemas.microsoft.com/office/drawing/2010/main" xmlns:p14="http://schemas.microsoft.com/office/powerpoint/2010/main" w="9525">
                   <a:solidFill>
                     <a:srgbClr val="000000"/>
                   </a:solidFill>
@@ -37052,7 +37052,7 @@
             </a:ln>
             <a:extLst>
               <a:ext uri="{91240B29-F687-4f45-9708-019B960494DF}">
-                <a14:hiddenLine xmlns:p14="http://schemas.microsoft.com/office/powerpoint/2010/main" xmlns:a14="http://schemas.microsoft.com/office/drawing/2010/main" xmlns:a16="http://schemas.microsoft.com/office/drawing/2014/main" xmlns="" w="9525">
+                <a14:hiddenLine xmlns="" xmlns:a16="http://schemas.microsoft.com/office/drawing/2014/main" xmlns:a14="http://schemas.microsoft.com/office/drawing/2010/main" xmlns:p14="http://schemas.microsoft.com/office/powerpoint/2010/main" w="9525">
                   <a:solidFill>
                     <a:srgbClr val="000000"/>
                   </a:solidFill>
@@ -37132,7 +37132,7 @@
             </a:ln>
             <a:extLst>
               <a:ext uri="{91240B29-F687-4f45-9708-019B960494DF}">
-                <a14:hiddenLine xmlns:p14="http://schemas.microsoft.com/office/powerpoint/2010/main" xmlns:a14="http://schemas.microsoft.com/office/drawing/2010/main" xmlns:a16="http://schemas.microsoft.com/office/drawing/2014/main" xmlns="" w="9525">
+                <a14:hiddenLine xmlns="" xmlns:a16="http://schemas.microsoft.com/office/drawing/2014/main" xmlns:a14="http://schemas.microsoft.com/office/drawing/2010/main" xmlns:p14="http://schemas.microsoft.com/office/powerpoint/2010/main" w="9525">
                   <a:solidFill>
                     <a:srgbClr val="000000"/>
                   </a:solidFill>
@@ -37237,7 +37237,7 @@
             </a:ln>
             <a:extLst>
               <a:ext uri="{91240B29-F687-4f45-9708-019B960494DF}">
-                <a14:hiddenLine xmlns:p14="http://schemas.microsoft.com/office/powerpoint/2010/main" xmlns:a14="http://schemas.microsoft.com/office/drawing/2010/main" xmlns:a16="http://schemas.microsoft.com/office/drawing/2014/main" xmlns="" w="9525">
+                <a14:hiddenLine xmlns="" xmlns:a16="http://schemas.microsoft.com/office/drawing/2014/main" xmlns:a14="http://schemas.microsoft.com/office/drawing/2010/main" xmlns:p14="http://schemas.microsoft.com/office/powerpoint/2010/main" w="9525">
                   <a:solidFill>
                     <a:srgbClr val="000000"/>
                   </a:solidFill>
@@ -37314,7 +37314,7 @@
             </a:ln>
             <a:extLst>
               <a:ext uri="{91240B29-F687-4f45-9708-019B960494DF}">
-                <a14:hiddenLine xmlns:p14="http://schemas.microsoft.com/office/powerpoint/2010/main" xmlns:a14="http://schemas.microsoft.com/office/drawing/2010/main" xmlns:a16="http://schemas.microsoft.com/office/drawing/2014/main" xmlns="" w="9525">
+                <a14:hiddenLine xmlns="" xmlns:a16="http://schemas.microsoft.com/office/drawing/2014/main" xmlns:a14="http://schemas.microsoft.com/office/drawing/2010/main" xmlns:p14="http://schemas.microsoft.com/office/powerpoint/2010/main" w="9525">
                   <a:solidFill>
                     <a:srgbClr val="000000"/>
                   </a:solidFill>
@@ -37419,7 +37419,7 @@
             </a:ln>
             <a:extLst>
               <a:ext uri="{91240B29-F687-4f45-9708-019B960494DF}">
-                <a14:hiddenLine xmlns:p14="http://schemas.microsoft.com/office/powerpoint/2010/main" xmlns:a14="http://schemas.microsoft.com/office/drawing/2010/main" xmlns:a16="http://schemas.microsoft.com/office/drawing/2014/main" xmlns="" w="9525">
+                <a14:hiddenLine xmlns="" xmlns:a16="http://schemas.microsoft.com/office/drawing/2014/main" xmlns:a14="http://schemas.microsoft.com/office/drawing/2010/main" xmlns:p14="http://schemas.microsoft.com/office/powerpoint/2010/main" w="9525">
                   <a:solidFill>
                     <a:srgbClr val="000000"/>
                   </a:solidFill>
@@ -37499,7 +37499,7 @@
             </a:ln>
             <a:extLst>
               <a:ext uri="{91240B29-F687-4f45-9708-019B960494DF}">
-                <a14:hiddenLine xmlns:p14="http://schemas.microsoft.com/office/powerpoint/2010/main" xmlns:a14="http://schemas.microsoft.com/office/drawing/2010/main" xmlns:a16="http://schemas.microsoft.com/office/drawing/2014/main" xmlns="" w="9525">
+                <a14:hiddenLine xmlns="" xmlns:a16="http://schemas.microsoft.com/office/drawing/2014/main" xmlns:a14="http://schemas.microsoft.com/office/drawing/2010/main" xmlns:p14="http://schemas.microsoft.com/office/powerpoint/2010/main" w="9525">
                   <a:solidFill>
                     <a:srgbClr val="000000"/>
                   </a:solidFill>
@@ -37576,7 +37576,7 @@
             </a:ln>
             <a:extLst>
               <a:ext uri="{91240B29-F687-4f45-9708-019B960494DF}">
-                <a14:hiddenLine xmlns:p14="http://schemas.microsoft.com/office/powerpoint/2010/main" xmlns:a14="http://schemas.microsoft.com/office/drawing/2010/main" xmlns:a16="http://schemas.microsoft.com/office/drawing/2014/main" xmlns="" w="9525">
+                <a14:hiddenLine xmlns="" xmlns:a16="http://schemas.microsoft.com/office/drawing/2014/main" xmlns:a14="http://schemas.microsoft.com/office/drawing/2010/main" xmlns:p14="http://schemas.microsoft.com/office/powerpoint/2010/main" w="9525">
                   <a:solidFill>
                     <a:srgbClr val="000000"/>
                   </a:solidFill>
@@ -37681,7 +37681,7 @@
             </a:ln>
             <a:extLst>
               <a:ext uri="{91240B29-F687-4f45-9708-019B960494DF}">
-                <a14:hiddenLine xmlns:p14="http://schemas.microsoft.com/office/powerpoint/2010/main" xmlns:a14="http://schemas.microsoft.com/office/drawing/2010/main" xmlns:a16="http://schemas.microsoft.com/office/drawing/2014/main" xmlns="" w="9525">
+                <a14:hiddenLine xmlns="" xmlns:a16="http://schemas.microsoft.com/office/drawing/2014/main" xmlns:a14="http://schemas.microsoft.com/office/drawing/2010/main" xmlns:p14="http://schemas.microsoft.com/office/powerpoint/2010/main" w="9525">
                   <a:solidFill>
                     <a:srgbClr val="000000"/>
                   </a:solidFill>
@@ -37786,7 +37786,7 @@
             </a:ln>
             <a:extLst>
               <a:ext uri="{91240B29-F687-4f45-9708-019B960494DF}">
-                <a14:hiddenLine xmlns:p14="http://schemas.microsoft.com/office/powerpoint/2010/main" xmlns:a14="http://schemas.microsoft.com/office/drawing/2010/main" xmlns:a16="http://schemas.microsoft.com/office/drawing/2014/main" xmlns="" w="9525">
+                <a14:hiddenLine xmlns="" xmlns:a16="http://schemas.microsoft.com/office/drawing/2014/main" xmlns:a14="http://schemas.microsoft.com/office/drawing/2010/main" xmlns:p14="http://schemas.microsoft.com/office/powerpoint/2010/main" w="9525">
                   <a:solidFill>
                     <a:srgbClr val="000000"/>
                   </a:solidFill>
@@ -37866,7 +37866,7 @@
             </a:ln>
             <a:extLst>
               <a:ext uri="{91240B29-F687-4f45-9708-019B960494DF}">
-                <a14:hiddenLine xmlns:p14="http://schemas.microsoft.com/office/powerpoint/2010/main" xmlns:a14="http://schemas.microsoft.com/office/drawing/2010/main" xmlns:a16="http://schemas.microsoft.com/office/drawing/2014/main" xmlns="" w="9525">
+                <a14:hiddenLine xmlns="" xmlns:a16="http://schemas.microsoft.com/office/drawing/2014/main" xmlns:a14="http://schemas.microsoft.com/office/drawing/2010/main" xmlns:p14="http://schemas.microsoft.com/office/powerpoint/2010/main" w="9525">
                   <a:solidFill>
                     <a:srgbClr val="000000"/>
                   </a:solidFill>
@@ -38001,7 +38001,7 @@
             </a:ln>
             <a:extLst>
               <a:ext uri="{91240B29-F687-4f45-9708-019B960494DF}">
-                <a14:hiddenLine xmlns:p14="http://schemas.microsoft.com/office/powerpoint/2010/main" xmlns:a14="http://schemas.microsoft.com/office/drawing/2010/main" xmlns:a16="http://schemas.microsoft.com/office/drawing/2014/main" xmlns="" w="9525">
+                <a14:hiddenLine xmlns="" xmlns:a16="http://schemas.microsoft.com/office/drawing/2014/main" xmlns:a14="http://schemas.microsoft.com/office/drawing/2010/main" xmlns:p14="http://schemas.microsoft.com/office/powerpoint/2010/main" w="9525">
                   <a:solidFill>
                     <a:srgbClr val="000000"/>
                   </a:solidFill>
@@ -38632,7 +38632,7 @@
             </a:ln>
             <a:extLst>
               <a:ext uri="{91240B29-F687-4f45-9708-019B960494DF}">
-                <a14:hiddenLine xmlns:a16="http://schemas.microsoft.com/office/drawing/2014/main" xmlns:p14="http://schemas.microsoft.com/office/powerpoint/2010/main" xmlns:a14="http://schemas.microsoft.com/office/drawing/2010/main" xmlns="" w="9525">
+                <a14:hiddenLine xmlns="" xmlns:a14="http://schemas.microsoft.com/office/drawing/2010/main" xmlns:p14="http://schemas.microsoft.com/office/powerpoint/2010/main" xmlns:a16="http://schemas.microsoft.com/office/drawing/2014/main" w="9525">
                   <a:solidFill>
                     <a:srgbClr val="000000"/>
                   </a:solidFill>
@@ -38737,7 +38737,7 @@
             </a:ln>
             <a:extLst>
               <a:ext uri="{91240B29-F687-4f45-9708-019B960494DF}">
-                <a14:hiddenLine xmlns:a16="http://schemas.microsoft.com/office/drawing/2014/main" xmlns:p14="http://schemas.microsoft.com/office/powerpoint/2010/main" xmlns:a14="http://schemas.microsoft.com/office/drawing/2010/main" xmlns="" w="9525">
+                <a14:hiddenLine xmlns="" xmlns:a14="http://schemas.microsoft.com/office/drawing/2010/main" xmlns:p14="http://schemas.microsoft.com/office/powerpoint/2010/main" xmlns:a16="http://schemas.microsoft.com/office/drawing/2014/main" w="9525">
                   <a:solidFill>
                     <a:srgbClr val="000000"/>
                   </a:solidFill>
@@ -38842,7 +38842,7 @@
             </a:ln>
             <a:extLst>
               <a:ext uri="{91240B29-F687-4f45-9708-019B960494DF}">
-                <a14:hiddenLine xmlns:a16="http://schemas.microsoft.com/office/drawing/2014/main" xmlns:p14="http://schemas.microsoft.com/office/powerpoint/2010/main" xmlns:a14="http://schemas.microsoft.com/office/drawing/2010/main" xmlns="" w="9525">
+                <a14:hiddenLine xmlns="" xmlns:a14="http://schemas.microsoft.com/office/drawing/2010/main" xmlns:p14="http://schemas.microsoft.com/office/powerpoint/2010/main" xmlns:a16="http://schemas.microsoft.com/office/drawing/2014/main" w="9525">
                   <a:solidFill>
                     <a:srgbClr val="000000"/>
                   </a:solidFill>
@@ -38919,7 +38919,7 @@
             </a:ln>
             <a:extLst>
               <a:ext uri="{91240B29-F687-4f45-9708-019B960494DF}">
-                <a14:hiddenLine xmlns:a16="http://schemas.microsoft.com/office/drawing/2014/main" xmlns:p14="http://schemas.microsoft.com/office/powerpoint/2010/main" xmlns:a14="http://schemas.microsoft.com/office/drawing/2010/main" xmlns="" w="9525">
+                <a14:hiddenLine xmlns="" xmlns:a14="http://schemas.microsoft.com/office/drawing/2010/main" xmlns:p14="http://schemas.microsoft.com/office/powerpoint/2010/main" xmlns:a16="http://schemas.microsoft.com/office/drawing/2014/main" w="9525">
                   <a:solidFill>
                     <a:srgbClr val="000000"/>
                   </a:solidFill>
@@ -39024,7 +39024,7 @@
             </a:ln>
             <a:extLst>
               <a:ext uri="{91240B29-F687-4f45-9708-019B960494DF}">
-                <a14:hiddenLine xmlns:a16="http://schemas.microsoft.com/office/drawing/2014/main" xmlns:p14="http://schemas.microsoft.com/office/powerpoint/2010/main" xmlns:a14="http://schemas.microsoft.com/office/drawing/2010/main" xmlns="" w="9525">
+                <a14:hiddenLine xmlns="" xmlns:a14="http://schemas.microsoft.com/office/drawing/2010/main" xmlns:p14="http://schemas.microsoft.com/office/powerpoint/2010/main" xmlns:a16="http://schemas.microsoft.com/office/drawing/2014/main" w="9525">
                   <a:solidFill>
                     <a:srgbClr val="000000"/>
                   </a:solidFill>
@@ -39101,7 +39101,7 @@
             </a:ln>
             <a:extLst>
               <a:ext uri="{91240B29-F687-4f45-9708-019B960494DF}">
-                <a14:hiddenLine xmlns:a16="http://schemas.microsoft.com/office/drawing/2014/main" xmlns:p14="http://schemas.microsoft.com/office/powerpoint/2010/main" xmlns:a14="http://schemas.microsoft.com/office/drawing/2010/main" xmlns="" w="9525">
+                <a14:hiddenLine xmlns="" xmlns:a14="http://schemas.microsoft.com/office/drawing/2010/main" xmlns:p14="http://schemas.microsoft.com/office/powerpoint/2010/main" xmlns:a16="http://schemas.microsoft.com/office/drawing/2014/main" w="9525">
                   <a:solidFill>
                     <a:srgbClr val="000000"/>
                   </a:solidFill>
@@ -39178,7 +39178,7 @@
             </a:ln>
             <a:extLst>
               <a:ext uri="{91240B29-F687-4f45-9708-019B960494DF}">
-                <a14:hiddenLine xmlns:a16="http://schemas.microsoft.com/office/drawing/2014/main" xmlns:p14="http://schemas.microsoft.com/office/powerpoint/2010/main" xmlns:a14="http://schemas.microsoft.com/office/drawing/2010/main" xmlns="" w="9525">
+                <a14:hiddenLine xmlns="" xmlns:a14="http://schemas.microsoft.com/office/drawing/2010/main" xmlns:p14="http://schemas.microsoft.com/office/powerpoint/2010/main" xmlns:a16="http://schemas.microsoft.com/office/drawing/2014/main" w="9525">
                   <a:solidFill>
                     <a:srgbClr val="000000"/>
                   </a:solidFill>
@@ -39283,7 +39283,7 @@
             </a:ln>
             <a:extLst>
               <a:ext uri="{91240B29-F687-4f45-9708-019B960494DF}">
-                <a14:hiddenLine xmlns:a16="http://schemas.microsoft.com/office/drawing/2014/main" xmlns:p14="http://schemas.microsoft.com/office/powerpoint/2010/main" xmlns:a14="http://schemas.microsoft.com/office/drawing/2010/main" xmlns="" w="9525">
+                <a14:hiddenLine xmlns="" xmlns:a14="http://schemas.microsoft.com/office/drawing/2010/main" xmlns:p14="http://schemas.microsoft.com/office/powerpoint/2010/main" xmlns:a16="http://schemas.microsoft.com/office/drawing/2014/main" w="9525">
                   <a:solidFill>
                     <a:srgbClr val="000000"/>
                   </a:solidFill>
@@ -39388,7 +39388,7 @@
             </a:ln>
             <a:extLst>
               <a:ext uri="{91240B29-F687-4f45-9708-019B960494DF}">
-                <a14:hiddenLine xmlns:a16="http://schemas.microsoft.com/office/drawing/2014/main" xmlns:p14="http://schemas.microsoft.com/office/powerpoint/2010/main" xmlns:a14="http://schemas.microsoft.com/office/drawing/2010/main" xmlns="" w="9525">
+                <a14:hiddenLine xmlns="" xmlns:a14="http://schemas.microsoft.com/office/drawing/2010/main" xmlns:p14="http://schemas.microsoft.com/office/powerpoint/2010/main" xmlns:a16="http://schemas.microsoft.com/office/drawing/2014/main" w="9525">
                   <a:solidFill>
                     <a:srgbClr val="000000"/>
                   </a:solidFill>
@@ -39465,7 +39465,7 @@
             </a:ln>
             <a:extLst>
               <a:ext uri="{91240B29-F687-4f45-9708-019B960494DF}">
-                <a14:hiddenLine xmlns:a16="http://schemas.microsoft.com/office/drawing/2014/main" xmlns:p14="http://schemas.microsoft.com/office/powerpoint/2010/main" xmlns:a14="http://schemas.microsoft.com/office/drawing/2010/main" xmlns="" w="9525">
+                <a14:hiddenLine xmlns="" xmlns:a14="http://schemas.microsoft.com/office/drawing/2010/main" xmlns:p14="http://schemas.microsoft.com/office/powerpoint/2010/main" xmlns:a16="http://schemas.microsoft.com/office/drawing/2014/main" w="9525">
                   <a:solidFill>
                     <a:srgbClr val="000000"/>
                   </a:solidFill>
@@ -39590,7 +39590,7 @@
             </a:ln>
             <a:extLst>
               <a:ext uri="{91240B29-F687-4f45-9708-019B960494DF}">
-                <a14:hiddenLine xmlns:a16="http://schemas.microsoft.com/office/drawing/2014/main" xmlns:p14="http://schemas.microsoft.com/office/powerpoint/2010/main" xmlns:a14="http://schemas.microsoft.com/office/drawing/2010/main" xmlns="" w="9525">
+                <a14:hiddenLine xmlns="" xmlns:a14="http://schemas.microsoft.com/office/drawing/2010/main" xmlns:p14="http://schemas.microsoft.com/office/powerpoint/2010/main" xmlns:a16="http://schemas.microsoft.com/office/drawing/2014/main" w="9525">
                   <a:solidFill>
                     <a:srgbClr val="000000"/>
                   </a:solidFill>
@@ -39704,7 +39704,7 @@
             </a:ln>
             <a:extLst>
               <a:ext uri="{91240B29-F687-4f45-9708-019B960494DF}">
-                <a14:hiddenLine xmlns:a16="http://schemas.microsoft.com/office/drawing/2014/main" xmlns:p14="http://schemas.microsoft.com/office/powerpoint/2010/main" xmlns:a14="http://schemas.microsoft.com/office/drawing/2010/main" xmlns="" w="9525">
+                <a14:hiddenLine xmlns="" xmlns:a14="http://schemas.microsoft.com/office/drawing/2010/main" xmlns:p14="http://schemas.microsoft.com/office/powerpoint/2010/main" xmlns:a16="http://schemas.microsoft.com/office/drawing/2014/main" w="9525">
                   <a:solidFill>
                     <a:srgbClr val="000000"/>
                   </a:solidFill>
@@ -39781,7 +39781,7 @@
             </a:ln>
             <a:extLst>
               <a:ext uri="{91240B29-F687-4f45-9708-019B960494DF}">
-                <a14:hiddenLine xmlns:a16="http://schemas.microsoft.com/office/drawing/2014/main" xmlns:p14="http://schemas.microsoft.com/office/powerpoint/2010/main" xmlns:a14="http://schemas.microsoft.com/office/drawing/2010/main" xmlns="" w="9525">
+                <a14:hiddenLine xmlns="" xmlns:a14="http://schemas.microsoft.com/office/drawing/2010/main" xmlns:p14="http://schemas.microsoft.com/office/powerpoint/2010/main" xmlns:a16="http://schemas.microsoft.com/office/drawing/2014/main" w="9525">
                   <a:solidFill>
                     <a:srgbClr val="000000"/>
                   </a:solidFill>
@@ -39858,7 +39858,7 @@
             </a:ln>
             <a:extLst>
               <a:ext uri="{91240B29-F687-4f45-9708-019B960494DF}">
-                <a14:hiddenLine xmlns:a16="http://schemas.microsoft.com/office/drawing/2014/main" xmlns:p14="http://schemas.microsoft.com/office/powerpoint/2010/main" xmlns:a14="http://schemas.microsoft.com/office/drawing/2010/main" xmlns="" w="9525">
+                <a14:hiddenLine xmlns="" xmlns:a14="http://schemas.microsoft.com/office/drawing/2010/main" xmlns:p14="http://schemas.microsoft.com/office/powerpoint/2010/main" xmlns:a16="http://schemas.microsoft.com/office/drawing/2014/main" w="9525">
                   <a:solidFill>
                     <a:srgbClr val="000000"/>
                   </a:solidFill>
@@ -39963,7 +39963,7 @@
             </a:ln>
             <a:extLst>
               <a:ext uri="{91240B29-F687-4f45-9708-019B960494DF}">
-                <a14:hiddenLine xmlns:a16="http://schemas.microsoft.com/office/drawing/2014/main" xmlns:p14="http://schemas.microsoft.com/office/powerpoint/2010/main" xmlns:a14="http://schemas.microsoft.com/office/drawing/2010/main" xmlns="" w="9525">
+                <a14:hiddenLine xmlns="" xmlns:a14="http://schemas.microsoft.com/office/drawing/2010/main" xmlns:p14="http://schemas.microsoft.com/office/powerpoint/2010/main" xmlns:a16="http://schemas.microsoft.com/office/drawing/2014/main" w="9525">
                   <a:solidFill>
                     <a:srgbClr val="000000"/>
                   </a:solidFill>
@@ -40012,7 +40012,7 @@
             </a:ln>
             <a:extLst>
               <a:ext uri="{91240B29-F687-4f45-9708-019B960494DF}">
-                <a14:hiddenLine xmlns:a16="http://schemas.microsoft.com/office/drawing/2014/main" xmlns:p14="http://schemas.microsoft.com/office/powerpoint/2010/main" xmlns:a14="http://schemas.microsoft.com/office/drawing/2010/main" xmlns="" w="9525">
+                <a14:hiddenLine xmlns="" xmlns:a14="http://schemas.microsoft.com/office/drawing/2010/main" xmlns:p14="http://schemas.microsoft.com/office/powerpoint/2010/main" xmlns:a16="http://schemas.microsoft.com/office/drawing/2014/main" w="9525">
                   <a:solidFill>
                     <a:srgbClr val="000000"/>
                   </a:solidFill>
@@ -40092,7 +40092,7 @@
             </a:ln>
             <a:extLst>
               <a:ext uri="{91240B29-F687-4f45-9708-019B960494DF}">
-                <a14:hiddenLine xmlns:a16="http://schemas.microsoft.com/office/drawing/2014/main" xmlns:p14="http://schemas.microsoft.com/office/powerpoint/2010/main" xmlns:a14="http://schemas.microsoft.com/office/drawing/2010/main" xmlns="" w="9525">
+                <a14:hiddenLine xmlns="" xmlns:a14="http://schemas.microsoft.com/office/drawing/2010/main" xmlns:p14="http://schemas.microsoft.com/office/powerpoint/2010/main" xmlns:a16="http://schemas.microsoft.com/office/drawing/2014/main" w="9525">
                   <a:solidFill>
                     <a:srgbClr val="000000"/>
                   </a:solidFill>
@@ -40197,7 +40197,7 @@
             </a:ln>
             <a:extLst>
               <a:ext uri="{91240B29-F687-4f45-9708-019B960494DF}">
-                <a14:hiddenLine xmlns:a16="http://schemas.microsoft.com/office/drawing/2014/main" xmlns:p14="http://schemas.microsoft.com/office/powerpoint/2010/main" xmlns:a14="http://schemas.microsoft.com/office/drawing/2010/main" xmlns="" w="9525">
+                <a14:hiddenLine xmlns="" xmlns:a14="http://schemas.microsoft.com/office/drawing/2010/main" xmlns:p14="http://schemas.microsoft.com/office/powerpoint/2010/main" xmlns:a16="http://schemas.microsoft.com/office/drawing/2014/main" w="9525">
                   <a:solidFill>
                     <a:srgbClr val="000000"/>
                   </a:solidFill>
@@ -40274,7 +40274,7 @@
             </a:ln>
             <a:extLst>
               <a:ext uri="{91240B29-F687-4f45-9708-019B960494DF}">
-                <a14:hiddenLine xmlns:a16="http://schemas.microsoft.com/office/drawing/2014/main" xmlns:p14="http://schemas.microsoft.com/office/powerpoint/2010/main" xmlns:a14="http://schemas.microsoft.com/office/drawing/2010/main" xmlns="" w="9525">
+                <a14:hiddenLine xmlns="" xmlns:a14="http://schemas.microsoft.com/office/drawing/2010/main" xmlns:p14="http://schemas.microsoft.com/office/powerpoint/2010/main" xmlns:a16="http://schemas.microsoft.com/office/drawing/2014/main" w="9525">
                   <a:solidFill>
                     <a:srgbClr val="000000"/>
                   </a:solidFill>
@@ -40379,7 +40379,7 @@
             </a:ln>
             <a:extLst>
               <a:ext uri="{91240B29-F687-4f45-9708-019B960494DF}">
-                <a14:hiddenLine xmlns:a16="http://schemas.microsoft.com/office/drawing/2014/main" xmlns:p14="http://schemas.microsoft.com/office/powerpoint/2010/main" xmlns:a14="http://schemas.microsoft.com/office/drawing/2010/main" xmlns="" w="9525">
+                <a14:hiddenLine xmlns="" xmlns:a14="http://schemas.microsoft.com/office/drawing/2010/main" xmlns:p14="http://schemas.microsoft.com/office/powerpoint/2010/main" xmlns:a16="http://schemas.microsoft.com/office/drawing/2014/main" w="9525">
                   <a:solidFill>
                     <a:srgbClr val="000000"/>
                   </a:solidFill>
@@ -40459,7 +40459,7 @@
             </a:ln>
             <a:extLst>
               <a:ext uri="{91240B29-F687-4f45-9708-019B960494DF}">
-                <a14:hiddenLine xmlns:a16="http://schemas.microsoft.com/office/drawing/2014/main" xmlns:p14="http://schemas.microsoft.com/office/powerpoint/2010/main" xmlns:a14="http://schemas.microsoft.com/office/drawing/2010/main" xmlns="" w="9525">
+                <a14:hiddenLine xmlns="" xmlns:a14="http://schemas.microsoft.com/office/drawing/2010/main" xmlns:p14="http://schemas.microsoft.com/office/powerpoint/2010/main" xmlns:a16="http://schemas.microsoft.com/office/drawing/2014/main" w="9525">
                   <a:solidFill>
                     <a:srgbClr val="000000"/>
                   </a:solidFill>
@@ -40536,7 +40536,7 @@
             </a:ln>
             <a:extLst>
               <a:ext uri="{91240B29-F687-4f45-9708-019B960494DF}">
-                <a14:hiddenLine xmlns:a16="http://schemas.microsoft.com/office/drawing/2014/main" xmlns:p14="http://schemas.microsoft.com/office/powerpoint/2010/main" xmlns:a14="http://schemas.microsoft.com/office/drawing/2010/main" xmlns="" w="9525">
+                <a14:hiddenLine xmlns="" xmlns:a14="http://schemas.microsoft.com/office/drawing/2010/main" xmlns:p14="http://schemas.microsoft.com/office/powerpoint/2010/main" xmlns:a16="http://schemas.microsoft.com/office/drawing/2014/main" w="9525">
                   <a:solidFill>
                     <a:srgbClr val="000000"/>
                   </a:solidFill>
@@ -40641,7 +40641,7 @@
             </a:ln>
             <a:extLst>
               <a:ext uri="{91240B29-F687-4f45-9708-019B960494DF}">
-                <a14:hiddenLine xmlns:a16="http://schemas.microsoft.com/office/drawing/2014/main" xmlns:p14="http://schemas.microsoft.com/office/powerpoint/2010/main" xmlns:a14="http://schemas.microsoft.com/office/drawing/2010/main" xmlns="" w="9525">
+                <a14:hiddenLine xmlns="" xmlns:a14="http://schemas.microsoft.com/office/drawing/2010/main" xmlns:p14="http://schemas.microsoft.com/office/powerpoint/2010/main" xmlns:a16="http://schemas.microsoft.com/office/drawing/2014/main" w="9525">
                   <a:solidFill>
                     <a:srgbClr val="000000"/>
                   </a:solidFill>
@@ -40746,7 +40746,7 @@
             </a:ln>
             <a:extLst>
               <a:ext uri="{91240B29-F687-4f45-9708-019B960494DF}">
-                <a14:hiddenLine xmlns:a16="http://schemas.microsoft.com/office/drawing/2014/main" xmlns:p14="http://schemas.microsoft.com/office/powerpoint/2010/main" xmlns:a14="http://schemas.microsoft.com/office/drawing/2010/main" xmlns="" w="9525">
+                <a14:hiddenLine xmlns="" xmlns:a14="http://schemas.microsoft.com/office/drawing/2010/main" xmlns:p14="http://schemas.microsoft.com/office/powerpoint/2010/main" xmlns:a16="http://schemas.microsoft.com/office/drawing/2014/main" w="9525">
                   <a:solidFill>
                     <a:srgbClr val="000000"/>
                   </a:solidFill>
@@ -40826,7 +40826,7 @@
             </a:ln>
             <a:extLst>
               <a:ext uri="{91240B29-F687-4f45-9708-019B960494DF}">
-                <a14:hiddenLine xmlns:a16="http://schemas.microsoft.com/office/drawing/2014/main" xmlns:p14="http://schemas.microsoft.com/office/powerpoint/2010/main" xmlns:a14="http://schemas.microsoft.com/office/drawing/2010/main" xmlns="" w="9525">
+                <a14:hiddenLine xmlns="" xmlns:a14="http://schemas.microsoft.com/office/drawing/2010/main" xmlns:p14="http://schemas.microsoft.com/office/powerpoint/2010/main" xmlns:a16="http://schemas.microsoft.com/office/drawing/2014/main" w="9525">
                   <a:solidFill>
                     <a:srgbClr val="000000"/>
                   </a:solidFill>
@@ -40961,7 +40961,7 @@
             </a:ln>
             <a:extLst>
               <a:ext uri="{91240B29-F687-4f45-9708-019B960494DF}">
-                <a14:hiddenLine xmlns:a16="http://schemas.microsoft.com/office/drawing/2014/main" xmlns:p14="http://schemas.microsoft.com/office/powerpoint/2010/main" xmlns:a14="http://schemas.microsoft.com/office/drawing/2010/main" xmlns="" w="9525">
+                <a14:hiddenLine xmlns="" xmlns:a14="http://schemas.microsoft.com/office/drawing/2010/main" xmlns:p14="http://schemas.microsoft.com/office/powerpoint/2010/main" xmlns:a16="http://schemas.microsoft.com/office/drawing/2014/main" w="9525">
                   <a:solidFill>
                     <a:srgbClr val="000000"/>
                   </a:solidFill>
@@ -41488,7 +41488,7 @@
             <a:noFill/>
             <a:extLst>
               <a:ext uri="{909E8E84-426E-40dd-AFC4-6F175D3DCCD1}">
-                <a14:hiddenFill xmlns:a14="http://schemas.microsoft.com/office/drawing/2010/main" xmlns:p14="http://schemas.microsoft.com/office/powerpoint/2010/main" xmlns:a16="http://schemas.microsoft.com/office/drawing/2014/main" xmlns="">
+                <a14:hiddenFill xmlns="" xmlns:a16="http://schemas.microsoft.com/office/drawing/2014/main" xmlns:p14="http://schemas.microsoft.com/office/powerpoint/2010/main" xmlns:a14="http://schemas.microsoft.com/office/drawing/2010/main">
                   <a:solidFill>
                     <a:srgbClr val="FFFFFF"/>
                   </a:solidFill>
@@ -43639,7 +43639,7 @@
           <a:noFill/>
           <a:extLst>
             <a:ext uri="{909E8E84-426E-40dd-AFC4-6F175D3DCCD1}">
-              <a14:hiddenFill xmlns:p14="http://schemas.microsoft.com/office/powerpoint/2010/main" xmlns:a14="http://schemas.microsoft.com/office/drawing/2010/main" xmlns:a16="http://schemas.microsoft.com/office/drawing/2014/main" xmlns="">
+              <a14:hiddenFill xmlns="" xmlns:a16="http://schemas.microsoft.com/office/drawing/2014/main" xmlns:a14="http://schemas.microsoft.com/office/drawing/2010/main" xmlns:p14="http://schemas.microsoft.com/office/powerpoint/2010/main">
                 <a:solidFill>
                   <a:srgbClr val="FFFFFF"/>
                 </a:solidFill>
@@ -43731,7 +43731,7 @@
             </a:ln>
             <a:extLst>
               <a:ext uri="{91240B29-F687-4f45-9708-019B960494DF}">
-                <a14:hiddenLine xmlns:p14="http://schemas.microsoft.com/office/powerpoint/2010/main" xmlns:a14="http://schemas.microsoft.com/office/drawing/2010/main" xmlns:a16="http://schemas.microsoft.com/office/drawing/2014/main" xmlns="" w="9525">
+                <a14:hiddenLine xmlns="" xmlns:a16="http://schemas.microsoft.com/office/drawing/2014/main" xmlns:a14="http://schemas.microsoft.com/office/drawing/2010/main" xmlns:p14="http://schemas.microsoft.com/office/powerpoint/2010/main" w="9525">
                   <a:solidFill>
                     <a:srgbClr val="000000"/>
                   </a:solidFill>
@@ -43836,7 +43836,7 @@
             </a:ln>
             <a:extLst>
               <a:ext uri="{91240B29-F687-4f45-9708-019B960494DF}">
-                <a14:hiddenLine xmlns:p14="http://schemas.microsoft.com/office/powerpoint/2010/main" xmlns:a14="http://schemas.microsoft.com/office/drawing/2010/main" xmlns:a16="http://schemas.microsoft.com/office/drawing/2014/main" xmlns="" w="9525">
+                <a14:hiddenLine xmlns="" xmlns:a16="http://schemas.microsoft.com/office/drawing/2014/main" xmlns:a14="http://schemas.microsoft.com/office/drawing/2010/main" xmlns:p14="http://schemas.microsoft.com/office/powerpoint/2010/main" w="9525">
                   <a:solidFill>
                     <a:srgbClr val="000000"/>
                   </a:solidFill>
@@ -43941,7 +43941,7 @@
             </a:ln>
             <a:extLst>
               <a:ext uri="{91240B29-F687-4f45-9708-019B960494DF}">
-                <a14:hiddenLine xmlns:p14="http://schemas.microsoft.com/office/powerpoint/2010/main" xmlns:a14="http://schemas.microsoft.com/office/drawing/2010/main" xmlns:a16="http://schemas.microsoft.com/office/drawing/2014/main" xmlns="" w="9525">
+                <a14:hiddenLine xmlns="" xmlns:a16="http://schemas.microsoft.com/office/drawing/2014/main" xmlns:a14="http://schemas.microsoft.com/office/drawing/2010/main" xmlns:p14="http://schemas.microsoft.com/office/powerpoint/2010/main" w="9525">
                   <a:solidFill>
                     <a:srgbClr val="000000"/>
                   </a:solidFill>
@@ -43990,7 +43990,7 @@
             </a:ln>
             <a:extLst>
               <a:ext uri="{91240B29-F687-4f45-9708-019B960494DF}">
-                <a14:hiddenLine xmlns:p14="http://schemas.microsoft.com/office/powerpoint/2010/main" xmlns:a14="http://schemas.microsoft.com/office/drawing/2010/main" xmlns:a16="http://schemas.microsoft.com/office/drawing/2014/main" xmlns="" w="9525">
+                <a14:hiddenLine xmlns="" xmlns:a16="http://schemas.microsoft.com/office/drawing/2014/main" xmlns:a14="http://schemas.microsoft.com/office/drawing/2010/main" xmlns:p14="http://schemas.microsoft.com/office/powerpoint/2010/main" w="9525">
                   <a:solidFill>
                     <a:srgbClr val="000000"/>
                   </a:solidFill>
@@ -44095,7 +44095,7 @@
             </a:ln>
             <a:extLst>
               <a:ext uri="{91240B29-F687-4f45-9708-019B960494DF}">
-                <a14:hiddenLine xmlns:p14="http://schemas.microsoft.com/office/powerpoint/2010/main" xmlns:a14="http://schemas.microsoft.com/office/drawing/2010/main" xmlns:a16="http://schemas.microsoft.com/office/drawing/2014/main" xmlns="" w="9525">
+                <a14:hiddenLine xmlns="" xmlns:a16="http://schemas.microsoft.com/office/drawing/2014/main" xmlns:a14="http://schemas.microsoft.com/office/drawing/2010/main" xmlns:p14="http://schemas.microsoft.com/office/powerpoint/2010/main" w="9525">
                   <a:solidFill>
                     <a:srgbClr val="000000"/>
                   </a:solidFill>
@@ -44172,7 +44172,7 @@
             </a:ln>
             <a:extLst>
               <a:ext uri="{91240B29-F687-4f45-9708-019B960494DF}">
-                <a14:hiddenLine xmlns:p14="http://schemas.microsoft.com/office/powerpoint/2010/main" xmlns:a14="http://schemas.microsoft.com/office/drawing/2010/main" xmlns:a16="http://schemas.microsoft.com/office/drawing/2014/main" xmlns="" w="9525">
+                <a14:hiddenLine xmlns="" xmlns:a16="http://schemas.microsoft.com/office/drawing/2014/main" xmlns:a14="http://schemas.microsoft.com/office/drawing/2010/main" xmlns:p14="http://schemas.microsoft.com/office/powerpoint/2010/main" w="9525">
                   <a:solidFill>
                     <a:srgbClr val="000000"/>
                   </a:solidFill>
@@ -44249,7 +44249,7 @@
             </a:ln>
             <a:extLst>
               <a:ext uri="{91240B29-F687-4f45-9708-019B960494DF}">
-                <a14:hiddenLine xmlns:p14="http://schemas.microsoft.com/office/powerpoint/2010/main" xmlns:a14="http://schemas.microsoft.com/office/drawing/2010/main" xmlns:a16="http://schemas.microsoft.com/office/drawing/2014/main" xmlns="" w="9525">
+                <a14:hiddenLine xmlns="" xmlns:a16="http://schemas.microsoft.com/office/drawing/2014/main" xmlns:a14="http://schemas.microsoft.com/office/drawing/2010/main" xmlns:p14="http://schemas.microsoft.com/office/powerpoint/2010/main" w="9525">
                   <a:solidFill>
                     <a:srgbClr val="000000"/>
                   </a:solidFill>
@@ -44354,7 +44354,7 @@
             </a:ln>
             <a:extLst>
               <a:ext uri="{91240B29-F687-4f45-9708-019B960494DF}">
-                <a14:hiddenLine xmlns:p14="http://schemas.microsoft.com/office/powerpoint/2010/main" xmlns:a14="http://schemas.microsoft.com/office/drawing/2010/main" xmlns:a16="http://schemas.microsoft.com/office/drawing/2014/main" xmlns="" w="9525">
+                <a14:hiddenLine xmlns="" xmlns:a16="http://schemas.microsoft.com/office/drawing/2014/main" xmlns:a14="http://schemas.microsoft.com/office/drawing/2010/main" xmlns:p14="http://schemas.microsoft.com/office/powerpoint/2010/main" w="9525">
                   <a:solidFill>
                     <a:srgbClr val="000000"/>
                   </a:solidFill>
@@ -44431,7 +44431,7 @@
             </a:ln>
             <a:extLst>
               <a:ext uri="{91240B29-F687-4f45-9708-019B960494DF}">
-                <a14:hiddenLine xmlns:p14="http://schemas.microsoft.com/office/powerpoint/2010/main" xmlns:a14="http://schemas.microsoft.com/office/drawing/2010/main" xmlns:a16="http://schemas.microsoft.com/office/drawing/2014/main" xmlns="" w="9525">
+                <a14:hiddenLine xmlns="" xmlns:a16="http://schemas.microsoft.com/office/drawing/2014/main" xmlns:a14="http://schemas.microsoft.com/office/drawing/2010/main" xmlns:p14="http://schemas.microsoft.com/office/powerpoint/2010/main" w="9525">
                   <a:solidFill>
                     <a:srgbClr val="000000"/>
                   </a:solidFill>
@@ -44508,7 +44508,7 @@
             </a:ln>
             <a:extLst>
               <a:ext uri="{91240B29-F687-4f45-9708-019B960494DF}">
-                <a14:hiddenLine xmlns:p14="http://schemas.microsoft.com/office/powerpoint/2010/main" xmlns:a14="http://schemas.microsoft.com/office/drawing/2010/main" xmlns:a16="http://schemas.microsoft.com/office/drawing/2014/main" xmlns="" w="9525">
+                <a14:hiddenLine xmlns="" xmlns:a16="http://schemas.microsoft.com/office/drawing/2014/main" xmlns:a14="http://schemas.microsoft.com/office/drawing/2010/main" xmlns:p14="http://schemas.microsoft.com/office/powerpoint/2010/main" w="9525">
                   <a:solidFill>
                     <a:srgbClr val="000000"/>
                   </a:solidFill>
@@ -44613,7 +44613,7 @@
             </a:ln>
             <a:extLst>
               <a:ext uri="{91240B29-F687-4f45-9708-019B960494DF}">
-                <a14:hiddenLine xmlns:p14="http://schemas.microsoft.com/office/powerpoint/2010/main" xmlns:a14="http://schemas.microsoft.com/office/drawing/2010/main" xmlns:a16="http://schemas.microsoft.com/office/drawing/2014/main" xmlns="" w="9525">
+                <a14:hiddenLine xmlns="" xmlns:a16="http://schemas.microsoft.com/office/drawing/2014/main" xmlns:a14="http://schemas.microsoft.com/office/drawing/2010/main" xmlns:p14="http://schemas.microsoft.com/office/powerpoint/2010/main" w="9525">
                   <a:solidFill>
                     <a:srgbClr val="000000"/>
                   </a:solidFill>
@@ -44718,7 +44718,7 @@
             </a:ln>
             <a:extLst>
               <a:ext uri="{91240B29-F687-4f45-9708-019B960494DF}">
-                <a14:hiddenLine xmlns:p14="http://schemas.microsoft.com/office/powerpoint/2010/main" xmlns:a14="http://schemas.microsoft.com/office/drawing/2010/main" xmlns:a16="http://schemas.microsoft.com/office/drawing/2014/main" xmlns="" w="9525">
+                <a14:hiddenLine xmlns="" xmlns:a16="http://schemas.microsoft.com/office/drawing/2014/main" xmlns:a14="http://schemas.microsoft.com/office/drawing/2010/main" xmlns:p14="http://schemas.microsoft.com/office/powerpoint/2010/main" w="9525">
                   <a:solidFill>
                     <a:srgbClr val="000000"/>
                   </a:solidFill>
@@ -44795,7 +44795,7 @@
             </a:ln>
             <a:extLst>
               <a:ext uri="{91240B29-F687-4f45-9708-019B960494DF}">
-                <a14:hiddenLine xmlns:p14="http://schemas.microsoft.com/office/powerpoint/2010/main" xmlns:a14="http://schemas.microsoft.com/office/drawing/2010/main" xmlns:a16="http://schemas.microsoft.com/office/drawing/2014/main" xmlns="" w="9525">
+                <a14:hiddenLine xmlns="" xmlns:a16="http://schemas.microsoft.com/office/drawing/2014/main" xmlns:a14="http://schemas.microsoft.com/office/drawing/2010/main" xmlns:p14="http://schemas.microsoft.com/office/powerpoint/2010/main" w="9525">
                   <a:solidFill>
                     <a:srgbClr val="000000"/>
                   </a:solidFill>
@@ -44920,7 +44920,7 @@
             </a:ln>
             <a:extLst>
               <a:ext uri="{91240B29-F687-4f45-9708-019B960494DF}">
-                <a14:hiddenLine xmlns:p14="http://schemas.microsoft.com/office/powerpoint/2010/main" xmlns:a14="http://schemas.microsoft.com/office/drawing/2010/main" xmlns:a16="http://schemas.microsoft.com/office/drawing/2014/main" xmlns="" w="9525">
+                <a14:hiddenLine xmlns="" xmlns:a16="http://schemas.microsoft.com/office/drawing/2014/main" xmlns:a14="http://schemas.microsoft.com/office/drawing/2010/main" xmlns:p14="http://schemas.microsoft.com/office/powerpoint/2010/main" w="9525">
                   <a:solidFill>
                     <a:srgbClr val="000000"/>
                   </a:solidFill>
@@ -44997,7 +44997,7 @@
             </a:ln>
             <a:extLst>
               <a:ext uri="{91240B29-F687-4f45-9708-019B960494DF}">
-                <a14:hiddenLine xmlns:p14="http://schemas.microsoft.com/office/powerpoint/2010/main" xmlns:a14="http://schemas.microsoft.com/office/drawing/2010/main" xmlns:a16="http://schemas.microsoft.com/office/drawing/2014/main" xmlns="" w="9525">
+                <a14:hiddenLine xmlns="" xmlns:a16="http://schemas.microsoft.com/office/drawing/2014/main" xmlns:a14="http://schemas.microsoft.com/office/drawing/2010/main" xmlns:p14="http://schemas.microsoft.com/office/powerpoint/2010/main" w="9525">
                   <a:solidFill>
                     <a:srgbClr val="000000"/>
                   </a:solidFill>
@@ -45102,7 +45102,7 @@
             </a:ln>
             <a:extLst>
               <a:ext uri="{91240B29-F687-4f45-9708-019B960494DF}">
-                <a14:hiddenLine xmlns:p14="http://schemas.microsoft.com/office/powerpoint/2010/main" xmlns:a14="http://schemas.microsoft.com/office/drawing/2010/main" xmlns:a16="http://schemas.microsoft.com/office/drawing/2014/main" xmlns="" w="9525">
+                <a14:hiddenLine xmlns="" xmlns:a16="http://schemas.microsoft.com/office/drawing/2014/main" xmlns:a14="http://schemas.microsoft.com/office/drawing/2010/main" xmlns:p14="http://schemas.microsoft.com/office/powerpoint/2010/main" w="9525">
                   <a:solidFill>
                     <a:srgbClr val="000000"/>
                   </a:solidFill>
@@ -45207,7 +45207,7 @@
             </a:ln>
             <a:extLst>
               <a:ext uri="{91240B29-F687-4f45-9708-019B960494DF}">
-                <a14:hiddenLine xmlns:p14="http://schemas.microsoft.com/office/powerpoint/2010/main" xmlns:a14="http://schemas.microsoft.com/office/drawing/2010/main" xmlns:a16="http://schemas.microsoft.com/office/drawing/2014/main" xmlns="" w="9525">
+                <a14:hiddenLine xmlns="" xmlns:a16="http://schemas.microsoft.com/office/drawing/2014/main" xmlns:a14="http://schemas.microsoft.com/office/drawing/2010/main" xmlns:p14="http://schemas.microsoft.com/office/powerpoint/2010/main" w="9525">
                   <a:solidFill>
                     <a:srgbClr val="000000"/>
                   </a:solidFill>
@@ -45284,7 +45284,7 @@
             </a:ln>
             <a:extLst>
               <a:ext uri="{91240B29-F687-4f45-9708-019B960494DF}">
-                <a14:hiddenLine xmlns:p14="http://schemas.microsoft.com/office/powerpoint/2010/main" xmlns:a14="http://schemas.microsoft.com/office/drawing/2010/main" xmlns:a16="http://schemas.microsoft.com/office/drawing/2014/main" xmlns="" w="9525">
+                <a14:hiddenLine xmlns="" xmlns:a16="http://schemas.microsoft.com/office/drawing/2014/main" xmlns:a14="http://schemas.microsoft.com/office/drawing/2010/main" xmlns:p14="http://schemas.microsoft.com/office/powerpoint/2010/main" w="9525">
                   <a:solidFill>
                     <a:srgbClr val="000000"/>
                   </a:solidFill>
@@ -45389,7 +45389,7 @@
             </a:ln>
             <a:extLst>
               <a:ext uri="{91240B29-F687-4f45-9708-019B960494DF}">
-                <a14:hiddenLine xmlns:p14="http://schemas.microsoft.com/office/powerpoint/2010/main" xmlns:a14="http://schemas.microsoft.com/office/drawing/2010/main" xmlns:a16="http://schemas.microsoft.com/office/drawing/2014/main" xmlns="" w="9525">
+                <a14:hiddenLine xmlns="" xmlns:a16="http://schemas.microsoft.com/office/drawing/2014/main" xmlns:a14="http://schemas.microsoft.com/office/drawing/2010/main" xmlns:p14="http://schemas.microsoft.com/office/powerpoint/2010/main" w="9525">
                   <a:solidFill>
                     <a:srgbClr val="000000"/>
                   </a:solidFill>
@@ -45494,7 +45494,7 @@
             </a:ln>
             <a:extLst>
               <a:ext uri="{91240B29-F687-4f45-9708-019B960494DF}">
-                <a14:hiddenLine xmlns:p14="http://schemas.microsoft.com/office/powerpoint/2010/main" xmlns:a14="http://schemas.microsoft.com/office/drawing/2010/main" xmlns:a16="http://schemas.microsoft.com/office/drawing/2014/main" xmlns="" w="9525">
+                <a14:hiddenLine xmlns="" xmlns:a16="http://schemas.microsoft.com/office/drawing/2014/main" xmlns:a14="http://schemas.microsoft.com/office/drawing/2010/main" xmlns:p14="http://schemas.microsoft.com/office/powerpoint/2010/main" w="9525">
                   <a:solidFill>
                     <a:srgbClr val="000000"/>
                   </a:solidFill>
@@ -45565,7 +45565,7 @@
             </a:ln>
             <a:extLst>
               <a:ext uri="{91240B29-F687-4f45-9708-019B960494DF}">
-                <a14:hiddenLine xmlns:p14="http://schemas.microsoft.com/office/powerpoint/2010/main" xmlns:a14="http://schemas.microsoft.com/office/drawing/2010/main" xmlns:a16="http://schemas.microsoft.com/office/drawing/2014/main" xmlns="" w="9525">
+                <a14:hiddenLine xmlns="" xmlns:a16="http://schemas.microsoft.com/office/drawing/2014/main" xmlns:a14="http://schemas.microsoft.com/office/drawing/2010/main" xmlns:p14="http://schemas.microsoft.com/office/powerpoint/2010/main" w="9525">
                   <a:solidFill>
                     <a:srgbClr val="000000"/>
                   </a:solidFill>
@@ -45670,7 +45670,7 @@
             </a:ln>
             <a:extLst>
               <a:ext uri="{91240B29-F687-4f45-9708-019B960494DF}">
-                <a14:hiddenLine xmlns:p14="http://schemas.microsoft.com/office/powerpoint/2010/main" xmlns:a14="http://schemas.microsoft.com/office/drawing/2010/main" xmlns:a16="http://schemas.microsoft.com/office/drawing/2014/main" xmlns="" w="9525">
+                <a14:hiddenLine xmlns="" xmlns:a16="http://schemas.microsoft.com/office/drawing/2014/main" xmlns:a14="http://schemas.microsoft.com/office/drawing/2010/main" xmlns:p14="http://schemas.microsoft.com/office/powerpoint/2010/main" w="9525">
                   <a:solidFill>
                     <a:srgbClr val="000000"/>
                   </a:solidFill>
@@ -45741,7 +45741,7 @@
             </a:ln>
             <a:extLst>
               <a:ext uri="{91240B29-F687-4f45-9708-019B960494DF}">
-                <a14:hiddenLine xmlns:p14="http://schemas.microsoft.com/office/powerpoint/2010/main" xmlns:a14="http://schemas.microsoft.com/office/drawing/2010/main" xmlns:a16="http://schemas.microsoft.com/office/drawing/2014/main" xmlns="" w="9525">
+                <a14:hiddenLine xmlns="" xmlns:a16="http://schemas.microsoft.com/office/drawing/2014/main" xmlns:a14="http://schemas.microsoft.com/office/drawing/2010/main" xmlns:p14="http://schemas.microsoft.com/office/powerpoint/2010/main" w="9525">
                   <a:solidFill>
                     <a:srgbClr val="000000"/>
                   </a:solidFill>
@@ -45846,7 +45846,7 @@
             </a:ln>
             <a:extLst>
               <a:ext uri="{91240B29-F687-4f45-9708-019B960494DF}">
-                <a14:hiddenLine xmlns:p14="http://schemas.microsoft.com/office/powerpoint/2010/main" xmlns:a14="http://schemas.microsoft.com/office/drawing/2010/main" xmlns:a16="http://schemas.microsoft.com/office/drawing/2014/main" xmlns="" w="9525">
+                <a14:hiddenLine xmlns="" xmlns:a16="http://schemas.microsoft.com/office/drawing/2014/main" xmlns:a14="http://schemas.microsoft.com/office/drawing/2010/main" xmlns:p14="http://schemas.microsoft.com/office/powerpoint/2010/main" w="9525">
                   <a:solidFill>
                     <a:srgbClr val="000000"/>
                   </a:solidFill>
@@ -45929,7 +45929,7 @@
             </a:ln>
             <a:extLst>
               <a:ext uri="{91240B29-F687-4f45-9708-019B960494DF}">
-                <a14:hiddenLine xmlns:p14="http://schemas.microsoft.com/office/powerpoint/2010/main" xmlns:a14="http://schemas.microsoft.com/office/drawing/2010/main" xmlns:a16="http://schemas.microsoft.com/office/drawing/2014/main" xmlns="" w="9525">
+                <a14:hiddenLine xmlns="" xmlns:a16="http://schemas.microsoft.com/office/drawing/2014/main" xmlns:a14="http://schemas.microsoft.com/office/drawing/2010/main" xmlns:p14="http://schemas.microsoft.com/office/powerpoint/2010/main" w="9525">
                   <a:solidFill>
                     <a:srgbClr val="000000"/>
                   </a:solidFill>
@@ -46034,7 +46034,7 @@
             </a:ln>
             <a:extLst>
               <a:ext uri="{91240B29-F687-4f45-9708-019B960494DF}">
-                <a14:hiddenLine xmlns:p14="http://schemas.microsoft.com/office/powerpoint/2010/main" xmlns:a14="http://schemas.microsoft.com/office/drawing/2010/main" xmlns:a16="http://schemas.microsoft.com/office/drawing/2014/main" xmlns="" w="9525">
+                <a14:hiddenLine xmlns="" xmlns:a16="http://schemas.microsoft.com/office/drawing/2014/main" xmlns:a14="http://schemas.microsoft.com/office/drawing/2010/main" xmlns:p14="http://schemas.microsoft.com/office/powerpoint/2010/main" w="9525">
                   <a:solidFill>
                     <a:srgbClr val="000000"/>
                   </a:solidFill>
@@ -46117,7 +46117,7 @@
             </a:ln>
             <a:extLst>
               <a:ext uri="{91240B29-F687-4f45-9708-019B960494DF}">
-                <a14:hiddenLine xmlns:p14="http://schemas.microsoft.com/office/powerpoint/2010/main" xmlns:a14="http://schemas.microsoft.com/office/drawing/2010/main" xmlns:a16="http://schemas.microsoft.com/office/drawing/2014/main" xmlns="" w="9525">
+                <a14:hiddenLine xmlns="" xmlns:a16="http://schemas.microsoft.com/office/drawing/2014/main" xmlns:a14="http://schemas.microsoft.com/office/drawing/2010/main" xmlns:p14="http://schemas.microsoft.com/office/powerpoint/2010/main" w="9525">
                   <a:solidFill>
                     <a:srgbClr val="000000"/>
                   </a:solidFill>
@@ -46222,7 +46222,7 @@
             </a:ln>
             <a:extLst>
               <a:ext uri="{91240B29-F687-4f45-9708-019B960494DF}">
-                <a14:hiddenLine xmlns:p14="http://schemas.microsoft.com/office/powerpoint/2010/main" xmlns:a14="http://schemas.microsoft.com/office/drawing/2010/main" xmlns:a16="http://schemas.microsoft.com/office/drawing/2014/main" xmlns="" w="9525">
+                <a14:hiddenLine xmlns="" xmlns:a16="http://schemas.microsoft.com/office/drawing/2014/main" xmlns:a14="http://schemas.microsoft.com/office/drawing/2010/main" xmlns:p14="http://schemas.microsoft.com/office/powerpoint/2010/main" w="9525">
                   <a:solidFill>
                     <a:srgbClr val="000000"/>
                   </a:solidFill>
@@ -46271,7 +46271,7 @@
             </a:ln>
             <a:extLst>
               <a:ext uri="{91240B29-F687-4f45-9708-019B960494DF}">
-                <a14:hiddenLine xmlns:p14="http://schemas.microsoft.com/office/powerpoint/2010/main" xmlns:a14="http://schemas.microsoft.com/office/drawing/2010/main" xmlns:a16="http://schemas.microsoft.com/office/drawing/2014/main" xmlns="" w="9525">
+                <a14:hiddenLine xmlns="" xmlns:a16="http://schemas.microsoft.com/office/drawing/2014/main" xmlns:a14="http://schemas.microsoft.com/office/drawing/2010/main" xmlns:p14="http://schemas.microsoft.com/office/powerpoint/2010/main" w="9525">
                   <a:solidFill>
                     <a:srgbClr val="000000"/>
                   </a:solidFill>
@@ -46376,7 +46376,7 @@
             </a:ln>
             <a:extLst>
               <a:ext uri="{91240B29-F687-4f45-9708-019B960494DF}">
-                <a14:hiddenLine xmlns:p14="http://schemas.microsoft.com/office/powerpoint/2010/main" xmlns:a14="http://schemas.microsoft.com/office/drawing/2010/main" xmlns:a16="http://schemas.microsoft.com/office/drawing/2014/main" xmlns="" w="9525">
+                <a14:hiddenLine xmlns="" xmlns:a16="http://schemas.microsoft.com/office/drawing/2014/main" xmlns:a14="http://schemas.microsoft.com/office/drawing/2010/main" xmlns:p14="http://schemas.microsoft.com/office/powerpoint/2010/main" w="9525">
                   <a:solidFill>
                     <a:srgbClr val="000000"/>
                   </a:solidFill>
@@ -46453,7 +46453,7 @@
             </a:ln>
             <a:extLst>
               <a:ext uri="{91240B29-F687-4f45-9708-019B960494DF}">
-                <a14:hiddenLine xmlns:p14="http://schemas.microsoft.com/office/powerpoint/2010/main" xmlns:a14="http://schemas.microsoft.com/office/drawing/2010/main" xmlns:a16="http://schemas.microsoft.com/office/drawing/2014/main" xmlns="" w="9525">
+                <a14:hiddenLine xmlns="" xmlns:a16="http://schemas.microsoft.com/office/drawing/2014/main" xmlns:a14="http://schemas.microsoft.com/office/drawing/2010/main" xmlns:p14="http://schemas.microsoft.com/office/powerpoint/2010/main" w="9525">
                   <a:solidFill>
                     <a:srgbClr val="000000"/>
                   </a:solidFill>
@@ -46530,7 +46530,7 @@
             </a:ln>
             <a:extLst>
               <a:ext uri="{91240B29-F687-4f45-9708-019B960494DF}">
-                <a14:hiddenLine xmlns:p14="http://schemas.microsoft.com/office/powerpoint/2010/main" xmlns:a14="http://schemas.microsoft.com/office/drawing/2010/main" xmlns:a16="http://schemas.microsoft.com/office/drawing/2014/main" xmlns="" w="9525">
+                <a14:hiddenLine xmlns="" xmlns:a16="http://schemas.microsoft.com/office/drawing/2014/main" xmlns:a14="http://schemas.microsoft.com/office/drawing/2010/main" xmlns:p14="http://schemas.microsoft.com/office/powerpoint/2010/main" w="9525">
                   <a:solidFill>
                     <a:srgbClr val="000000"/>
                   </a:solidFill>
@@ -46635,7 +46635,7 @@
             </a:ln>
             <a:extLst>
               <a:ext uri="{91240B29-F687-4f45-9708-019B960494DF}">
-                <a14:hiddenLine xmlns:p14="http://schemas.microsoft.com/office/powerpoint/2010/main" xmlns:a14="http://schemas.microsoft.com/office/drawing/2010/main" xmlns:a16="http://schemas.microsoft.com/office/drawing/2014/main" xmlns="" w="9525">
+                <a14:hiddenLine xmlns="" xmlns:a16="http://schemas.microsoft.com/office/drawing/2014/main" xmlns:a14="http://schemas.microsoft.com/office/drawing/2010/main" xmlns:p14="http://schemas.microsoft.com/office/powerpoint/2010/main" w="9525">
                   <a:solidFill>
                     <a:srgbClr val="000000"/>
                   </a:solidFill>
@@ -46718,7 +46718,7 @@
             </a:ln>
             <a:extLst>
               <a:ext uri="{91240B29-F687-4f45-9708-019B960494DF}">
-                <a14:hiddenLine xmlns:p14="http://schemas.microsoft.com/office/powerpoint/2010/main" xmlns:a14="http://schemas.microsoft.com/office/drawing/2010/main" xmlns:a16="http://schemas.microsoft.com/office/drawing/2014/main" xmlns="" w="9525">
+                <a14:hiddenLine xmlns="" xmlns:a16="http://schemas.microsoft.com/office/drawing/2014/main" xmlns:a14="http://schemas.microsoft.com/office/drawing/2010/main" xmlns:p14="http://schemas.microsoft.com/office/powerpoint/2010/main" w="9525">
                   <a:solidFill>
                     <a:srgbClr val="000000"/>
                   </a:solidFill>
@@ -46795,7 +46795,7 @@
             </a:ln>
             <a:extLst>
               <a:ext uri="{91240B29-F687-4f45-9708-019B960494DF}">
-                <a14:hiddenLine xmlns:p14="http://schemas.microsoft.com/office/powerpoint/2010/main" xmlns:a14="http://schemas.microsoft.com/office/drawing/2010/main" xmlns:a16="http://schemas.microsoft.com/office/drawing/2014/main" xmlns="" w="9525">
+                <a14:hiddenLine xmlns="" xmlns:a16="http://schemas.microsoft.com/office/drawing/2014/main" xmlns:a14="http://schemas.microsoft.com/office/drawing/2010/main" xmlns:p14="http://schemas.microsoft.com/office/powerpoint/2010/main" w="9525">
                   <a:solidFill>
                     <a:srgbClr val="000000"/>
                   </a:solidFill>
@@ -46900,7 +46900,7 @@
             </a:ln>
             <a:extLst>
               <a:ext uri="{91240B29-F687-4f45-9708-019B960494DF}">
-                <a14:hiddenLine xmlns:p14="http://schemas.microsoft.com/office/powerpoint/2010/main" xmlns:a14="http://schemas.microsoft.com/office/drawing/2010/main" xmlns:a16="http://schemas.microsoft.com/office/drawing/2014/main" xmlns="" w="9525">
+                <a14:hiddenLine xmlns="" xmlns:a16="http://schemas.microsoft.com/office/drawing/2014/main" xmlns:a14="http://schemas.microsoft.com/office/drawing/2010/main" xmlns:p14="http://schemas.microsoft.com/office/powerpoint/2010/main" w="9525">
                   <a:solidFill>
                     <a:srgbClr val="000000"/>
                   </a:solidFill>
@@ -46977,7 +46977,7 @@
             </a:ln>
             <a:extLst>
               <a:ext uri="{91240B29-F687-4f45-9708-019B960494DF}">
-                <a14:hiddenLine xmlns:p14="http://schemas.microsoft.com/office/powerpoint/2010/main" xmlns:a14="http://schemas.microsoft.com/office/drawing/2010/main" xmlns:a16="http://schemas.microsoft.com/office/drawing/2014/main" xmlns="" w="9525">
+                <a14:hiddenLine xmlns="" xmlns:a16="http://schemas.microsoft.com/office/drawing/2014/main" xmlns:a14="http://schemas.microsoft.com/office/drawing/2010/main" xmlns:p14="http://schemas.microsoft.com/office/powerpoint/2010/main" w="9525">
                   <a:solidFill>
                     <a:srgbClr val="000000"/>
                   </a:solidFill>
@@ -47082,7 +47082,7 @@
             </a:ln>
             <a:extLst>
               <a:ext uri="{91240B29-F687-4f45-9708-019B960494DF}">
-                <a14:hiddenLine xmlns:p14="http://schemas.microsoft.com/office/powerpoint/2010/main" xmlns:a14="http://schemas.microsoft.com/office/drawing/2010/main" xmlns:a16="http://schemas.microsoft.com/office/drawing/2014/main" xmlns="" w="9525">
+                <a14:hiddenLine xmlns="" xmlns:a16="http://schemas.microsoft.com/office/drawing/2014/main" xmlns:a14="http://schemas.microsoft.com/office/drawing/2010/main" xmlns:p14="http://schemas.microsoft.com/office/powerpoint/2010/main" w="9525">
                   <a:solidFill>
                     <a:srgbClr val="000000"/>
                   </a:solidFill>
@@ -47159,7 +47159,7 @@
             </a:ln>
             <a:extLst>
               <a:ext uri="{91240B29-F687-4f45-9708-019B960494DF}">
-                <a14:hiddenLine xmlns:p14="http://schemas.microsoft.com/office/powerpoint/2010/main" xmlns:a14="http://schemas.microsoft.com/office/drawing/2010/main" xmlns:a16="http://schemas.microsoft.com/office/drawing/2014/main" xmlns="" w="9525">
+                <a14:hiddenLine xmlns="" xmlns:a16="http://schemas.microsoft.com/office/drawing/2014/main" xmlns:a14="http://schemas.microsoft.com/office/drawing/2010/main" xmlns:p14="http://schemas.microsoft.com/office/powerpoint/2010/main" w="9525">
                   <a:solidFill>
                     <a:srgbClr val="000000"/>
                   </a:solidFill>
@@ -47264,7 +47264,7 @@
             </a:ln>
             <a:extLst>
               <a:ext uri="{91240B29-F687-4f45-9708-019B960494DF}">
-                <a14:hiddenLine xmlns:p14="http://schemas.microsoft.com/office/powerpoint/2010/main" xmlns:a14="http://schemas.microsoft.com/office/drawing/2010/main" xmlns:a16="http://schemas.microsoft.com/office/drawing/2014/main" xmlns="" w="9525">
+                <a14:hiddenLine xmlns="" xmlns:a16="http://schemas.microsoft.com/office/drawing/2014/main" xmlns:a14="http://schemas.microsoft.com/office/drawing/2010/main" xmlns:p14="http://schemas.microsoft.com/office/powerpoint/2010/main" w="9525">
                   <a:solidFill>
                     <a:srgbClr val="000000"/>
                   </a:solidFill>
@@ -47313,7 +47313,7 @@
             </a:ln>
             <a:extLst>
               <a:ext uri="{91240B29-F687-4f45-9708-019B960494DF}">
-                <a14:hiddenLine xmlns:p14="http://schemas.microsoft.com/office/powerpoint/2010/main" xmlns:a14="http://schemas.microsoft.com/office/drawing/2010/main" xmlns:a16="http://schemas.microsoft.com/office/drawing/2014/main" xmlns="" w="9525">
+                <a14:hiddenLine xmlns="" xmlns:a16="http://schemas.microsoft.com/office/drawing/2014/main" xmlns:a14="http://schemas.microsoft.com/office/drawing/2010/main" xmlns:p14="http://schemas.microsoft.com/office/powerpoint/2010/main" w="9525">
                   <a:solidFill>
                     <a:srgbClr val="000000"/>
                   </a:solidFill>
@@ -47393,7 +47393,7 @@
             </a:ln>
             <a:extLst>
               <a:ext uri="{91240B29-F687-4f45-9708-019B960494DF}">
-                <a14:hiddenLine xmlns:p14="http://schemas.microsoft.com/office/powerpoint/2010/main" xmlns:a14="http://schemas.microsoft.com/office/drawing/2010/main" xmlns:a16="http://schemas.microsoft.com/office/drawing/2014/main" xmlns="" w="9525">
+                <a14:hiddenLine xmlns="" xmlns:a16="http://schemas.microsoft.com/office/drawing/2014/main" xmlns:a14="http://schemas.microsoft.com/office/drawing/2010/main" xmlns:p14="http://schemas.microsoft.com/office/powerpoint/2010/main" w="9525">
                   <a:solidFill>
                     <a:srgbClr val="000000"/>
                   </a:solidFill>
@@ -47498,7 +47498,7 @@
             </a:ln>
             <a:extLst>
               <a:ext uri="{91240B29-F687-4f45-9708-019B960494DF}">
-                <a14:hiddenLine xmlns:p14="http://schemas.microsoft.com/office/powerpoint/2010/main" xmlns:a14="http://schemas.microsoft.com/office/drawing/2010/main" xmlns:a16="http://schemas.microsoft.com/office/drawing/2014/main" xmlns="" w="9525">
+                <a14:hiddenLine xmlns="" xmlns:a16="http://schemas.microsoft.com/office/drawing/2014/main" xmlns:a14="http://schemas.microsoft.com/office/drawing/2010/main" xmlns:p14="http://schemas.microsoft.com/office/powerpoint/2010/main" w="9525">
                   <a:solidFill>
                     <a:srgbClr val="000000"/>
                   </a:solidFill>
@@ -47575,7 +47575,7 @@
             </a:ln>
             <a:extLst>
               <a:ext uri="{91240B29-F687-4f45-9708-019B960494DF}">
-                <a14:hiddenLine xmlns:p14="http://schemas.microsoft.com/office/powerpoint/2010/main" xmlns:a14="http://schemas.microsoft.com/office/drawing/2010/main" xmlns:a16="http://schemas.microsoft.com/office/drawing/2014/main" xmlns="" w="9525">
+                <a14:hiddenLine xmlns="" xmlns:a16="http://schemas.microsoft.com/office/drawing/2014/main" xmlns:a14="http://schemas.microsoft.com/office/drawing/2010/main" xmlns:p14="http://schemas.microsoft.com/office/powerpoint/2010/main" w="9525">
                   <a:solidFill>
                     <a:srgbClr val="000000"/>
                   </a:solidFill>
@@ -47680,7 +47680,7 @@
             </a:ln>
             <a:extLst>
               <a:ext uri="{91240B29-F687-4f45-9708-019B960494DF}">
-                <a14:hiddenLine xmlns:p14="http://schemas.microsoft.com/office/powerpoint/2010/main" xmlns:a14="http://schemas.microsoft.com/office/drawing/2010/main" xmlns:a16="http://schemas.microsoft.com/office/drawing/2014/main" xmlns="" w="9525">
+                <a14:hiddenLine xmlns="" xmlns:a16="http://schemas.microsoft.com/office/drawing/2014/main" xmlns:a14="http://schemas.microsoft.com/office/drawing/2010/main" xmlns:p14="http://schemas.microsoft.com/office/powerpoint/2010/main" w="9525">
                   <a:solidFill>
                     <a:srgbClr val="000000"/>
                   </a:solidFill>
@@ -47785,7 +47785,7 @@
             </a:ln>
             <a:extLst>
               <a:ext uri="{91240B29-F687-4f45-9708-019B960494DF}">
-                <a14:hiddenLine xmlns:p14="http://schemas.microsoft.com/office/powerpoint/2010/main" xmlns:a14="http://schemas.microsoft.com/office/drawing/2010/main" xmlns:a16="http://schemas.microsoft.com/office/drawing/2014/main" xmlns="" w="9525">
+                <a14:hiddenLine xmlns="" xmlns:a16="http://schemas.microsoft.com/office/drawing/2014/main" xmlns:a14="http://schemas.microsoft.com/office/drawing/2010/main" xmlns:p14="http://schemas.microsoft.com/office/powerpoint/2010/main" w="9525">
                   <a:solidFill>
                     <a:srgbClr val="000000"/>
                   </a:solidFill>
@@ -47865,7 +47865,7 @@
             </a:ln>
             <a:extLst>
               <a:ext uri="{91240B29-F687-4f45-9708-019B960494DF}">
-                <a14:hiddenLine xmlns:p14="http://schemas.microsoft.com/office/powerpoint/2010/main" xmlns:a14="http://schemas.microsoft.com/office/drawing/2010/main" xmlns:a16="http://schemas.microsoft.com/office/drawing/2014/main" xmlns="" w="9525">
+                <a14:hiddenLine xmlns="" xmlns:a16="http://schemas.microsoft.com/office/drawing/2014/main" xmlns:a14="http://schemas.microsoft.com/office/drawing/2010/main" xmlns:p14="http://schemas.microsoft.com/office/powerpoint/2010/main" w="9525">
                   <a:solidFill>
                     <a:srgbClr val="000000"/>
                   </a:solidFill>
@@ -47942,7 +47942,7 @@
             </a:ln>
             <a:extLst>
               <a:ext uri="{91240B29-F687-4f45-9708-019B960494DF}">
-                <a14:hiddenLine xmlns:p14="http://schemas.microsoft.com/office/powerpoint/2010/main" xmlns:a14="http://schemas.microsoft.com/office/drawing/2010/main" xmlns:a16="http://schemas.microsoft.com/office/drawing/2014/main" xmlns="" w="9525">
+                <a14:hiddenLine xmlns="" xmlns:a16="http://schemas.microsoft.com/office/drawing/2014/main" xmlns:a14="http://schemas.microsoft.com/office/drawing/2010/main" xmlns:p14="http://schemas.microsoft.com/office/powerpoint/2010/main" w="9525">
                   <a:solidFill>
                     <a:srgbClr val="000000"/>
                   </a:solidFill>
@@ -48047,7 +48047,7 @@
             </a:ln>
             <a:extLst>
               <a:ext uri="{91240B29-F687-4f45-9708-019B960494DF}">
-                <a14:hiddenLine xmlns:p14="http://schemas.microsoft.com/office/powerpoint/2010/main" xmlns:a14="http://schemas.microsoft.com/office/drawing/2010/main" xmlns:a16="http://schemas.microsoft.com/office/drawing/2014/main" xmlns="" w="9525">
+                <a14:hiddenLine xmlns="" xmlns:a16="http://schemas.microsoft.com/office/drawing/2014/main" xmlns:a14="http://schemas.microsoft.com/office/drawing/2010/main" xmlns:p14="http://schemas.microsoft.com/office/powerpoint/2010/main" w="9525">
                   <a:solidFill>
                     <a:srgbClr val="000000"/>
                   </a:solidFill>
@@ -48152,7 +48152,7 @@
             </a:ln>
             <a:extLst>
               <a:ext uri="{91240B29-F687-4f45-9708-019B960494DF}">
-                <a14:hiddenLine xmlns:p14="http://schemas.microsoft.com/office/powerpoint/2010/main" xmlns:a14="http://schemas.microsoft.com/office/drawing/2010/main" xmlns:a16="http://schemas.microsoft.com/office/drawing/2014/main" xmlns="" w="9525">
+                <a14:hiddenLine xmlns="" xmlns:a16="http://schemas.microsoft.com/office/drawing/2014/main" xmlns:a14="http://schemas.microsoft.com/office/drawing/2010/main" xmlns:p14="http://schemas.microsoft.com/office/powerpoint/2010/main" w="9525">
                   <a:solidFill>
                     <a:srgbClr val="000000"/>
                   </a:solidFill>
@@ -48229,7 +48229,7 @@
             </a:ln>
             <a:extLst>
               <a:ext uri="{91240B29-F687-4f45-9708-019B960494DF}">
-                <a14:hiddenLine xmlns:p14="http://schemas.microsoft.com/office/powerpoint/2010/main" xmlns:a14="http://schemas.microsoft.com/office/drawing/2010/main" xmlns:a16="http://schemas.microsoft.com/office/drawing/2014/main" xmlns="" w="9525">
+                <a14:hiddenLine xmlns="" xmlns:a16="http://schemas.microsoft.com/office/drawing/2014/main" xmlns:a14="http://schemas.microsoft.com/office/drawing/2010/main" xmlns:p14="http://schemas.microsoft.com/office/powerpoint/2010/main" w="9525">
                   <a:solidFill>
                     <a:srgbClr val="000000"/>
                   </a:solidFill>
@@ -48364,7 +48364,7 @@
             </a:ln>
             <a:extLst>
               <a:ext uri="{91240B29-F687-4f45-9708-019B960494DF}">
-                <a14:hiddenLine xmlns:p14="http://schemas.microsoft.com/office/powerpoint/2010/main" xmlns:a14="http://schemas.microsoft.com/office/drawing/2010/main" xmlns:a16="http://schemas.microsoft.com/office/drawing/2014/main" xmlns="" w="9525">
+                <a14:hiddenLine xmlns="" xmlns:a16="http://schemas.microsoft.com/office/drawing/2014/main" xmlns:a14="http://schemas.microsoft.com/office/drawing/2010/main" xmlns:p14="http://schemas.microsoft.com/office/powerpoint/2010/main" w="9525">
                   <a:solidFill>
                     <a:srgbClr val="000000"/>
                   </a:solidFill>
@@ -48447,7 +48447,7 @@
             </a:ln>
             <a:extLst>
               <a:ext uri="{91240B29-F687-4f45-9708-019B960494DF}">
-                <a14:hiddenLine xmlns:p14="http://schemas.microsoft.com/office/powerpoint/2010/main" xmlns:a14="http://schemas.microsoft.com/office/drawing/2010/main" xmlns:a16="http://schemas.microsoft.com/office/drawing/2014/main" xmlns="" w="9525">
+                <a14:hiddenLine xmlns="" xmlns:a16="http://schemas.microsoft.com/office/drawing/2014/main" xmlns:a14="http://schemas.microsoft.com/office/drawing/2010/main" xmlns:p14="http://schemas.microsoft.com/office/powerpoint/2010/main" w="9525">
                   <a:solidFill>
                     <a:srgbClr val="000000"/>
                   </a:solidFill>
@@ -48552,7 +48552,7 @@
             </a:ln>
             <a:extLst>
               <a:ext uri="{91240B29-F687-4f45-9708-019B960494DF}">
-                <a14:hiddenLine xmlns:p14="http://schemas.microsoft.com/office/powerpoint/2010/main" xmlns:a14="http://schemas.microsoft.com/office/drawing/2010/main" xmlns:a16="http://schemas.microsoft.com/office/drawing/2014/main" xmlns="" w="9525">
+                <a14:hiddenLine xmlns="" xmlns:a16="http://schemas.microsoft.com/office/drawing/2014/main" xmlns:a14="http://schemas.microsoft.com/office/drawing/2010/main" xmlns:p14="http://schemas.microsoft.com/office/powerpoint/2010/main" w="9525">
                   <a:solidFill>
                     <a:srgbClr val="000000"/>
                   </a:solidFill>
@@ -48709,7 +48709,7 @@
             <a:noFill/>
             <a:extLst>
               <a:ext uri="{909E8E84-426E-40dd-AFC4-6F175D3DCCD1}">
-                <a14:hiddenFill xmlns:p14="http://schemas.microsoft.com/office/powerpoint/2010/main" xmlns:a14="http://schemas.microsoft.com/office/drawing/2010/main" xmlns:a16="http://schemas.microsoft.com/office/drawing/2014/main" xmlns="">
+                <a14:hiddenFill xmlns="" xmlns:a16="http://schemas.microsoft.com/office/drawing/2014/main" xmlns:a14="http://schemas.microsoft.com/office/drawing/2010/main" xmlns:p14="http://schemas.microsoft.com/office/powerpoint/2010/main">
                   <a:solidFill>
                     <a:srgbClr val="FFFFFF"/>
                   </a:solidFill>
